--- a/Defence.pptx
+++ b/Defence.pptx
@@ -10,14 +10,16 @@
     <p:sldId id="259" r:id="rId4"/>
     <p:sldId id="261" r:id="rId5"/>
     <p:sldId id="260" r:id="rId6"/>
-    <p:sldId id="263" r:id="rId7"/>
-    <p:sldId id="264" r:id="rId8"/>
-    <p:sldId id="265" r:id="rId9"/>
-    <p:sldId id="266" r:id="rId10"/>
-    <p:sldId id="267" r:id="rId11"/>
-    <p:sldId id="262" r:id="rId12"/>
+    <p:sldId id="264" r:id="rId7"/>
+    <p:sldId id="265" r:id="rId8"/>
+    <p:sldId id="266" r:id="rId9"/>
+    <p:sldId id="267" r:id="rId10"/>
+    <p:sldId id="269" r:id="rId11"/>
+    <p:sldId id="271" r:id="rId12"/>
     <p:sldId id="268" r:id="rId13"/>
-    <p:sldId id="269" r:id="rId14"/>
+    <p:sldId id="263" r:id="rId14"/>
+    <p:sldId id="272" r:id="rId15"/>
+    <p:sldId id="270" r:id="rId16"/>
   </p:sldIdLst>
   <p:sldSz cx="12192000" cy="6858000"/>
   <p:notesSz cx="6858000" cy="9144000"/>
@@ -116,6 +118,11 @@
       </a:defRPr>
     </a:lvl9pPr>
   </p:defaultTextStyle>
+  <p:extLst>
+    <p:ext uri="{EFAFB233-063F-42B5-8137-9DF3F51BA10A}">
+      <p15:sldGuideLst xmlns:p15="http://schemas.microsoft.com/office/powerpoint/2012/main"/>
+    </p:ext>
+  </p:extLst>
 </p:presentation>
 </file>
 
@@ -3789,7 +3796,7 @@
         <p:cNvPr id="1" name="">
           <a:extLst>
             <a:ext uri="{FF2B5EF4-FFF2-40B4-BE49-F238E27FC236}">
-              <a16:creationId xmlns:a16="http://schemas.microsoft.com/office/drawing/2014/main" id="{A32A2BD3-0CC6-8CE4-703D-0F1E1A99C562}"/>
+              <a16:creationId xmlns:a16="http://schemas.microsoft.com/office/drawing/2014/main" id="{B3308286-A82F-A7BA-2566-AAF73D59A055}"/>
             </a:ext>
           </a:extLst>
         </p:cNvPr>
@@ -3809,7 +3816,7 @@
           <p:cNvPr id="5" name="Group 4">
             <a:extLst>
               <a:ext uri="{FF2B5EF4-FFF2-40B4-BE49-F238E27FC236}">
-                <a16:creationId xmlns:a16="http://schemas.microsoft.com/office/drawing/2014/main" id="{4C81E5DC-E0D1-29F8-EDAB-A9220340E0DC}"/>
+                <a16:creationId xmlns:a16="http://schemas.microsoft.com/office/drawing/2014/main" id="{C78056C9-0E1C-BE15-75B4-2E173BBA8546}"/>
               </a:ext>
             </a:extLst>
           </p:cNvPr>
@@ -3829,7 +3836,7 @@
             <p:cNvPr id="1026" name="Picture 2" descr="TU Dresden - Quantum Internet Alliance">
               <a:extLst>
                 <a:ext uri="{FF2B5EF4-FFF2-40B4-BE49-F238E27FC236}">
-                  <a16:creationId xmlns:a16="http://schemas.microsoft.com/office/drawing/2014/main" id="{B9942A83-3FFC-3895-6B0F-013F4E888394}"/>
+                  <a16:creationId xmlns:a16="http://schemas.microsoft.com/office/drawing/2014/main" id="{3D3E0EC9-1DC2-60DE-D56A-7968A27253F6}"/>
                 </a:ext>
               </a:extLst>
             </p:cNvPr>
@@ -3874,7 +3881,7 @@
             <p:cNvPr id="1028" name="Picture 4" descr="logo DRESDEN-concept - Helmholtz-Zentrum Dresden-Rossendorf, HZDR">
               <a:extLst>
                 <a:ext uri="{FF2B5EF4-FFF2-40B4-BE49-F238E27FC236}">
-                  <a16:creationId xmlns:a16="http://schemas.microsoft.com/office/drawing/2014/main" id="{058DE6F7-8A4D-F0B5-E629-0EE22BA8A5F3}"/>
+                  <a16:creationId xmlns:a16="http://schemas.microsoft.com/office/drawing/2014/main" id="{5BF229B8-3CEA-6931-7F5B-F4569750EA2A}"/>
                 </a:ext>
               </a:extLst>
             </p:cNvPr>
@@ -3921,7 +3928,7 @@
             <p:cNvPr id="4" name="Rectangle 3">
               <a:extLst>
                 <a:ext uri="{FF2B5EF4-FFF2-40B4-BE49-F238E27FC236}">
-                  <a16:creationId xmlns:a16="http://schemas.microsoft.com/office/drawing/2014/main" id="{21094741-9902-E5BD-7E55-9BB8F4B331E9}"/>
+                  <a16:creationId xmlns:a16="http://schemas.microsoft.com/office/drawing/2014/main" id="{C7A198F0-1E46-544E-0984-6DCEC460ED5A}"/>
                 </a:ext>
               </a:extLst>
             </p:cNvPr>
@@ -3974,7 +3981,7 @@
           <p:cNvPr id="1030" name="Picture 6" descr="Няма налично описание на снимката.">
             <a:extLst>
               <a:ext uri="{FF2B5EF4-FFF2-40B4-BE49-F238E27FC236}">
-                <a16:creationId xmlns:a16="http://schemas.microsoft.com/office/drawing/2014/main" id="{AAC80F52-EA78-12E0-E4CF-0AAB8B26BE80}"/>
+                <a16:creationId xmlns:a16="http://schemas.microsoft.com/office/drawing/2014/main" id="{D2892555-9873-6FCF-B0E1-620C32F89251}"/>
               </a:ext>
             </a:extLst>
           </p:cNvPr>
@@ -4021,7 +4028,7 @@
           <p:cNvPr id="9" name="TextBox 8">
             <a:extLst>
               <a:ext uri="{FF2B5EF4-FFF2-40B4-BE49-F238E27FC236}">
-                <a16:creationId xmlns:a16="http://schemas.microsoft.com/office/drawing/2014/main" id="{2E03D3B4-329B-8B33-19A2-2196B4B767E6}"/>
+                <a16:creationId xmlns:a16="http://schemas.microsoft.com/office/drawing/2014/main" id="{E38B46F5-440C-0921-80F1-32BD45BAF20C}"/>
               </a:ext>
             </a:extLst>
           </p:cNvPr>
@@ -4050,8 +4057,9 @@
                 <a:solidFill>
                   <a:schemeClr val="bg1"/>
                 </a:solidFill>
+                <a:latin typeface="+mj-lt"/>
               </a:rPr>
-              <a:t>Sub_cubic_spline.f90</a:t>
+              <a:t>Main.f90</a:t>
             </a:r>
           </a:p>
         </p:txBody>
@@ -4061,7 +4069,7 @@
           <p:cNvPr id="6" name="TextBox 5">
             <a:extLst>
               <a:ext uri="{FF2B5EF4-FFF2-40B4-BE49-F238E27FC236}">
-                <a16:creationId xmlns:a16="http://schemas.microsoft.com/office/drawing/2014/main" id="{D0B9AE23-1398-37FF-0827-626E21343FD2}"/>
+                <a16:creationId xmlns:a16="http://schemas.microsoft.com/office/drawing/2014/main" id="{F52D09A6-867C-111B-6533-C4E636E24CB9}"/>
               </a:ext>
             </a:extLst>
           </p:cNvPr>
@@ -4092,7 +4100,7 @@
                 </a:solidFill>
                 <a:latin typeface="+mj-lt"/>
               </a:rPr>
-              <a:t>…</a:t>
+              <a:t>Plot of Task 1</a:t>
             </a:r>
             <a:endParaRPr lang="en-GB" sz="3200" i="1" dirty="0">
               <a:solidFill>
@@ -4103,10 +4111,598 @@
           </a:p>
         </p:txBody>
       </p:sp>
+      <p:pic>
+        <p:nvPicPr>
+          <p:cNvPr id="12" name="Picture 11">
+            <a:extLst>
+              <a:ext uri="{FF2B5EF4-FFF2-40B4-BE49-F238E27FC236}">
+                <a16:creationId xmlns:a16="http://schemas.microsoft.com/office/drawing/2014/main" id="{5FFCE00E-9626-B854-4729-8FE5517A7835}"/>
+              </a:ext>
+            </a:extLst>
+          </p:cNvPr>
+          <p:cNvPicPr>
+            <a:picLocks noChangeAspect="1"/>
+          </p:cNvPicPr>
+          <p:nvPr/>
+        </p:nvPicPr>
+        <p:blipFill>
+          <a:blip r:embed="rId5"/>
+          <a:stretch>
+            <a:fillRect/>
+          </a:stretch>
+        </p:blipFill>
+        <p:spPr>
+          <a:xfrm>
+            <a:off x="402662" y="2938998"/>
+            <a:ext cx="3146483" cy="1202769"/>
+          </a:xfrm>
+          <a:prstGeom prst="rect">
+            <a:avLst/>
+          </a:prstGeom>
+        </p:spPr>
+      </p:pic>
+      <p:cxnSp>
+        <p:nvCxnSpPr>
+          <p:cNvPr id="19" name="Straight Arrow Connector 18">
+            <a:extLst>
+              <a:ext uri="{FF2B5EF4-FFF2-40B4-BE49-F238E27FC236}">
+                <a16:creationId xmlns:a16="http://schemas.microsoft.com/office/drawing/2014/main" id="{3A07CD22-BA6F-2E9B-29ED-DE7DB8C69A57}"/>
+              </a:ext>
+            </a:extLst>
+          </p:cNvPr>
+          <p:cNvCxnSpPr>
+            <a:cxnSpLocks/>
+            <a:stCxn id="12" idx="3"/>
+            <a:endCxn id="23" idx="1"/>
+          </p:cNvCxnSpPr>
+          <p:nvPr/>
+        </p:nvCxnSpPr>
+        <p:spPr>
+          <a:xfrm>
+            <a:off x="3549145" y="3540383"/>
+            <a:ext cx="339505" cy="662491"/>
+          </a:xfrm>
+          <a:prstGeom prst="straightConnector1">
+            <a:avLst/>
+          </a:prstGeom>
+          <a:ln w="38100">
+            <a:solidFill>
+              <a:srgbClr val="FF0000"/>
+            </a:solidFill>
+            <a:tailEnd type="triangle"/>
+          </a:ln>
+        </p:spPr>
+        <p:style>
+          <a:lnRef idx="2">
+            <a:schemeClr val="accent1"/>
+          </a:lnRef>
+          <a:fillRef idx="0">
+            <a:schemeClr val="accent1"/>
+          </a:fillRef>
+          <a:effectRef idx="1">
+            <a:schemeClr val="accent1"/>
+          </a:effectRef>
+          <a:fontRef idx="minor">
+            <a:schemeClr val="tx1"/>
+          </a:fontRef>
+        </p:style>
+      </p:cxnSp>
+      <p:cxnSp>
+        <p:nvCxnSpPr>
+          <p:cNvPr id="20" name="Straight Arrow Connector 19">
+            <a:extLst>
+              <a:ext uri="{FF2B5EF4-FFF2-40B4-BE49-F238E27FC236}">
+                <a16:creationId xmlns:a16="http://schemas.microsoft.com/office/drawing/2014/main" id="{8979864D-C5B1-F35D-9A2F-36F950AB5F50}"/>
+              </a:ext>
+            </a:extLst>
+          </p:cNvPr>
+          <p:cNvCxnSpPr>
+            <a:cxnSpLocks/>
+            <a:stCxn id="18" idx="3"/>
+            <a:endCxn id="23" idx="1"/>
+          </p:cNvCxnSpPr>
+          <p:nvPr/>
+        </p:nvCxnSpPr>
+        <p:spPr>
+          <a:xfrm flipV="1">
+            <a:off x="3549145" y="4202874"/>
+            <a:ext cx="339505" cy="1485693"/>
+          </a:xfrm>
+          <a:prstGeom prst="straightConnector1">
+            <a:avLst/>
+          </a:prstGeom>
+          <a:ln w="38100">
+            <a:solidFill>
+              <a:srgbClr val="FF0000"/>
+            </a:solidFill>
+            <a:tailEnd type="triangle"/>
+          </a:ln>
+        </p:spPr>
+        <p:style>
+          <a:lnRef idx="2">
+            <a:schemeClr val="accent1"/>
+          </a:lnRef>
+          <a:fillRef idx="0">
+            <a:schemeClr val="accent1"/>
+          </a:fillRef>
+          <a:effectRef idx="1">
+            <a:schemeClr val="accent1"/>
+          </a:effectRef>
+          <a:fontRef idx="minor">
+            <a:schemeClr val="tx1"/>
+          </a:fontRef>
+        </p:style>
+      </p:cxnSp>
+      <p:sp>
+        <p:nvSpPr>
+          <p:cNvPr id="23" name="TextBox 22">
+            <a:extLst>
+              <a:ext uri="{FF2B5EF4-FFF2-40B4-BE49-F238E27FC236}">
+                <a16:creationId xmlns:a16="http://schemas.microsoft.com/office/drawing/2014/main" id="{2CFA0CF5-AA37-F657-0532-43FA4B7B3EF8}"/>
+              </a:ext>
+            </a:extLst>
+          </p:cNvPr>
+          <p:cNvSpPr txBox="1"/>
+          <p:nvPr/>
+        </p:nvSpPr>
+        <p:spPr>
+          <a:xfrm>
+            <a:off x="3888650" y="3771987"/>
+            <a:ext cx="1481018" cy="861774"/>
+          </a:xfrm>
+          <a:prstGeom prst="rect">
+            <a:avLst/>
+          </a:prstGeom>
+          <a:solidFill>
+            <a:schemeClr val="accent1">
+              <a:lumMod val="20000"/>
+              <a:lumOff val="80000"/>
+            </a:schemeClr>
+          </a:solidFill>
+          <a:ln w="28575">
+            <a:solidFill>
+              <a:srgbClr val="FF0000"/>
+            </a:solidFill>
+          </a:ln>
+        </p:spPr>
+        <p:txBody>
+          <a:bodyPr wrap="square" rtlCol="0">
+            <a:spAutoFit/>
+          </a:bodyPr>
+          <a:lstStyle/>
+          <a:p>
+            <a:pPr algn="ctr"/>
+            <a:r>
+              <a:rPr lang="en-GB" sz="1600" dirty="0"/>
+              <a:t>Output</a:t>
+            </a:r>
+          </a:p>
+          <a:p>
+            <a:pPr marL="285750" indent="-285750" algn="ctr">
+              <a:buFontTx/>
+              <a:buChar char="-"/>
+            </a:pPr>
+            <a:r>
+              <a:rPr lang="en-GB" sz="1600" dirty="0"/>
+              <a:t>data_f_r.txt</a:t>
+            </a:r>
+          </a:p>
+          <a:p>
+            <a:pPr marL="285750" indent="-285750" algn="ctr">
+              <a:buFontTx/>
+              <a:buChar char="-"/>
+            </a:pPr>
+            <a:r>
+              <a:rPr lang="en-GB" sz="1600" dirty="0"/>
+              <a:t>data_f_s.txt</a:t>
+            </a:r>
+          </a:p>
+        </p:txBody>
+      </p:sp>
+      <p:cxnSp>
+        <p:nvCxnSpPr>
+          <p:cNvPr id="26" name="Straight Arrow Connector 25">
+            <a:extLst>
+              <a:ext uri="{FF2B5EF4-FFF2-40B4-BE49-F238E27FC236}">
+                <a16:creationId xmlns:a16="http://schemas.microsoft.com/office/drawing/2014/main" id="{48B47EBB-A32D-3F36-D5D3-49AAF0BB7F4A}"/>
+              </a:ext>
+            </a:extLst>
+          </p:cNvPr>
+          <p:cNvCxnSpPr>
+            <a:cxnSpLocks/>
+            <a:stCxn id="23" idx="3"/>
+          </p:cNvCxnSpPr>
+          <p:nvPr/>
+        </p:nvCxnSpPr>
+        <p:spPr>
+          <a:xfrm>
+            <a:off x="5369668" y="4202874"/>
+            <a:ext cx="370787" cy="0"/>
+          </a:xfrm>
+          <a:prstGeom prst="straightConnector1">
+            <a:avLst/>
+          </a:prstGeom>
+          <a:ln w="38100">
+            <a:solidFill>
+              <a:srgbClr val="FF0000"/>
+            </a:solidFill>
+            <a:tailEnd type="triangle"/>
+          </a:ln>
+        </p:spPr>
+        <p:style>
+          <a:lnRef idx="2">
+            <a:schemeClr val="accent1"/>
+          </a:lnRef>
+          <a:fillRef idx="0">
+            <a:schemeClr val="accent1"/>
+          </a:fillRef>
+          <a:effectRef idx="1">
+            <a:schemeClr val="accent1"/>
+          </a:effectRef>
+          <a:fontRef idx="minor">
+            <a:schemeClr val="tx1"/>
+          </a:fontRef>
+        </p:style>
+      </p:cxnSp>
+      <p:sp>
+        <p:nvSpPr>
+          <p:cNvPr id="49" name="TextBox 48">
+            <a:extLst>
+              <a:ext uri="{FF2B5EF4-FFF2-40B4-BE49-F238E27FC236}">
+                <a16:creationId xmlns:a16="http://schemas.microsoft.com/office/drawing/2014/main" id="{FAE8624F-89F9-2C0B-EC26-D9D4041CE744}"/>
+              </a:ext>
+            </a:extLst>
+          </p:cNvPr>
+          <p:cNvSpPr txBox="1"/>
+          <p:nvPr/>
+        </p:nvSpPr>
+        <p:spPr>
+          <a:xfrm>
+            <a:off x="7791856" y="2556590"/>
+            <a:ext cx="1077248" cy="369332"/>
+          </a:xfrm>
+          <a:prstGeom prst="rect">
+            <a:avLst/>
+          </a:prstGeom>
+          <a:noFill/>
+        </p:spPr>
+        <p:txBody>
+          <a:bodyPr wrap="square" rtlCol="0">
+            <a:spAutoFit/>
+          </a:bodyPr>
+          <a:lstStyle/>
+          <a:p>
+            <a:r>
+              <a:rPr lang="en-US" dirty="0">
+                <a:solidFill>
+                  <a:schemeClr val="bg1"/>
+                </a:solidFill>
+              </a:rPr>
+              <a:t>Main.f90</a:t>
+            </a:r>
+            <a:endParaRPr lang="en-GB" dirty="0">
+              <a:solidFill>
+                <a:schemeClr val="bg1"/>
+              </a:solidFill>
+            </a:endParaRPr>
+          </a:p>
+        </p:txBody>
+      </p:sp>
+      <p:sp>
+        <p:nvSpPr>
+          <p:cNvPr id="50" name="TextBox 49">
+            <a:extLst>
+              <a:ext uri="{FF2B5EF4-FFF2-40B4-BE49-F238E27FC236}">
+                <a16:creationId xmlns:a16="http://schemas.microsoft.com/office/drawing/2014/main" id="{9800C9BB-97DE-A875-F0C9-7A8921BA9257}"/>
+              </a:ext>
+            </a:extLst>
+          </p:cNvPr>
+          <p:cNvSpPr txBox="1"/>
+          <p:nvPr/>
+        </p:nvSpPr>
+        <p:spPr>
+          <a:xfrm>
+            <a:off x="402662" y="2548521"/>
+            <a:ext cx="3146483" cy="369332"/>
+          </a:xfrm>
+          <a:prstGeom prst="rect">
+            <a:avLst/>
+          </a:prstGeom>
+          <a:noFill/>
+        </p:spPr>
+        <p:txBody>
+          <a:bodyPr wrap="square" rtlCol="0">
+            <a:spAutoFit/>
+          </a:bodyPr>
+          <a:lstStyle/>
+          <a:p>
+            <a:pPr algn="ctr"/>
+            <a:r>
+              <a:rPr lang="en-GB" sz="1800" dirty="0">
+                <a:solidFill>
+                  <a:schemeClr val="bg1"/>
+                </a:solidFill>
+                <a:latin typeface="+mj-lt"/>
+              </a:rPr>
+              <a:t>Sub_newton_inter.f90</a:t>
+            </a:r>
+          </a:p>
+        </p:txBody>
+      </p:sp>
+      <p:sp>
+        <p:nvSpPr>
+          <p:cNvPr id="51" name="TextBox 50">
+            <a:extLst>
+              <a:ext uri="{FF2B5EF4-FFF2-40B4-BE49-F238E27FC236}">
+                <a16:creationId xmlns:a16="http://schemas.microsoft.com/office/drawing/2014/main" id="{D623586F-3A6D-C0C8-88CD-385272488BB8}"/>
+              </a:ext>
+            </a:extLst>
+          </p:cNvPr>
+          <p:cNvSpPr txBox="1"/>
+          <p:nvPr/>
+        </p:nvSpPr>
+        <p:spPr>
+          <a:xfrm>
+            <a:off x="371379" y="4320895"/>
+            <a:ext cx="3146483" cy="369332"/>
+          </a:xfrm>
+          <a:prstGeom prst="rect">
+            <a:avLst/>
+          </a:prstGeom>
+          <a:noFill/>
+        </p:spPr>
+        <p:txBody>
+          <a:bodyPr wrap="square" rtlCol="0">
+            <a:spAutoFit/>
+          </a:bodyPr>
+          <a:lstStyle/>
+          <a:p>
+            <a:pPr algn="ctr"/>
+            <a:r>
+              <a:rPr lang="en-GB" sz="1800" dirty="0">
+                <a:solidFill>
+                  <a:schemeClr val="bg1"/>
+                </a:solidFill>
+              </a:rPr>
+              <a:t>Sub_cubic_spline.f90</a:t>
+            </a:r>
+          </a:p>
+        </p:txBody>
+      </p:sp>
+      <p:cxnSp>
+        <p:nvCxnSpPr>
+          <p:cNvPr id="62" name="Straight Arrow Connector 61">
+            <a:extLst>
+              <a:ext uri="{FF2B5EF4-FFF2-40B4-BE49-F238E27FC236}">
+                <a16:creationId xmlns:a16="http://schemas.microsoft.com/office/drawing/2014/main" id="{5D02532D-73A9-9E4D-6717-C54CA8F91EB0}"/>
+              </a:ext>
+            </a:extLst>
+          </p:cNvPr>
+          <p:cNvCxnSpPr>
+            <a:cxnSpLocks/>
+          </p:cNvCxnSpPr>
+          <p:nvPr/>
+        </p:nvCxnSpPr>
+        <p:spPr>
+          <a:xfrm>
+            <a:off x="9336092" y="4941837"/>
+            <a:ext cx="370787" cy="0"/>
+          </a:xfrm>
+          <a:prstGeom prst="straightConnector1">
+            <a:avLst/>
+          </a:prstGeom>
+          <a:ln w="38100">
+            <a:solidFill>
+              <a:srgbClr val="FF0000"/>
+            </a:solidFill>
+            <a:tailEnd type="triangle"/>
+          </a:ln>
+        </p:spPr>
+        <p:style>
+          <a:lnRef idx="2">
+            <a:schemeClr val="accent1"/>
+          </a:lnRef>
+          <a:fillRef idx="0">
+            <a:schemeClr val="accent1"/>
+          </a:fillRef>
+          <a:effectRef idx="1">
+            <a:schemeClr val="accent1"/>
+          </a:effectRef>
+          <a:fontRef idx="minor">
+            <a:schemeClr val="tx1"/>
+          </a:fontRef>
+        </p:style>
+      </p:cxnSp>
+      <p:sp>
+        <p:nvSpPr>
+          <p:cNvPr id="63" name="TextBox 62">
+            <a:extLst>
+              <a:ext uri="{FF2B5EF4-FFF2-40B4-BE49-F238E27FC236}">
+                <a16:creationId xmlns:a16="http://schemas.microsoft.com/office/drawing/2014/main" id="{785ECB3F-585F-D2A2-BC41-BBFC49B39D03}"/>
+              </a:ext>
+            </a:extLst>
+          </p:cNvPr>
+          <p:cNvSpPr txBox="1"/>
+          <p:nvPr/>
+        </p:nvSpPr>
+        <p:spPr>
+          <a:xfrm>
+            <a:off x="9706879" y="4633761"/>
+            <a:ext cx="1481018" cy="584775"/>
+          </a:xfrm>
+          <a:prstGeom prst="rect">
+            <a:avLst/>
+          </a:prstGeom>
+          <a:solidFill>
+            <a:schemeClr val="accent1">
+              <a:lumMod val="20000"/>
+              <a:lumOff val="80000"/>
+            </a:schemeClr>
+          </a:solidFill>
+          <a:ln w="28575">
+            <a:solidFill>
+              <a:srgbClr val="FF0000"/>
+            </a:solidFill>
+          </a:ln>
+        </p:spPr>
+        <p:txBody>
+          <a:bodyPr wrap="square" rtlCol="0">
+            <a:spAutoFit/>
+          </a:bodyPr>
+          <a:lstStyle/>
+          <a:p>
+            <a:pPr algn="ctr"/>
+            <a:r>
+              <a:rPr lang="en-GB" sz="1600" dirty="0"/>
+              <a:t>Output</a:t>
+            </a:r>
+          </a:p>
+          <a:p>
+            <a:pPr algn="ctr"/>
+            <a:r>
+              <a:rPr lang="en-GB" sz="1600" dirty="0"/>
+              <a:t>plot_01.png</a:t>
+            </a:r>
+          </a:p>
+        </p:txBody>
+      </p:sp>
+      <p:pic>
+        <p:nvPicPr>
+          <p:cNvPr id="3" name="Picture 2">
+            <a:extLst>
+              <a:ext uri="{FF2B5EF4-FFF2-40B4-BE49-F238E27FC236}">
+                <a16:creationId xmlns:a16="http://schemas.microsoft.com/office/drawing/2014/main" id="{7BB5B87F-CEDF-F803-5146-0AA41041D9C2}"/>
+              </a:ext>
+            </a:extLst>
+          </p:cNvPr>
+          <p:cNvPicPr>
+            <a:picLocks noChangeAspect="1"/>
+          </p:cNvPicPr>
+          <p:nvPr/>
+        </p:nvPicPr>
+        <p:blipFill>
+          <a:blip r:embed="rId6"/>
+          <a:stretch>
+            <a:fillRect/>
+          </a:stretch>
+        </p:blipFill>
+        <p:spPr>
+          <a:xfrm>
+            <a:off x="809942" y="1577223"/>
+            <a:ext cx="2331922" cy="441998"/>
+          </a:xfrm>
+          <a:prstGeom prst="rect">
+            <a:avLst/>
+          </a:prstGeom>
+        </p:spPr>
+      </p:pic>
+      <p:sp>
+        <p:nvSpPr>
+          <p:cNvPr id="7" name="TextBox 6">
+            <a:extLst>
+              <a:ext uri="{FF2B5EF4-FFF2-40B4-BE49-F238E27FC236}">
+                <a16:creationId xmlns:a16="http://schemas.microsoft.com/office/drawing/2014/main" id="{B3B13E19-7FB6-E207-2742-C20E5D92E9B6}"/>
+              </a:ext>
+            </a:extLst>
+          </p:cNvPr>
+          <p:cNvSpPr txBox="1"/>
+          <p:nvPr/>
+        </p:nvSpPr>
+        <p:spPr>
+          <a:xfrm>
+            <a:off x="1405997" y="1178445"/>
+            <a:ext cx="1077248" cy="369332"/>
+          </a:xfrm>
+          <a:prstGeom prst="rect">
+            <a:avLst/>
+          </a:prstGeom>
+          <a:noFill/>
+        </p:spPr>
+        <p:txBody>
+          <a:bodyPr wrap="square" rtlCol="0">
+            <a:spAutoFit/>
+          </a:bodyPr>
+          <a:lstStyle/>
+          <a:p>
+            <a:r>
+              <a:rPr lang="en-US" dirty="0">
+                <a:solidFill>
+                  <a:schemeClr val="bg1"/>
+                </a:solidFill>
+              </a:rPr>
+              <a:t>Main.f90</a:t>
+            </a:r>
+            <a:endParaRPr lang="en-GB" dirty="0">
+              <a:solidFill>
+                <a:schemeClr val="bg1"/>
+              </a:solidFill>
+            </a:endParaRPr>
+          </a:p>
+        </p:txBody>
+      </p:sp>
+      <p:pic>
+        <p:nvPicPr>
+          <p:cNvPr id="18" name="Picture 17">
+            <a:extLst>
+              <a:ext uri="{FF2B5EF4-FFF2-40B4-BE49-F238E27FC236}">
+                <a16:creationId xmlns:a16="http://schemas.microsoft.com/office/drawing/2014/main" id="{849EC8B2-490C-798B-9543-DE7F79BFF003}"/>
+              </a:ext>
+            </a:extLst>
+          </p:cNvPr>
+          <p:cNvPicPr>
+            <a:picLocks noChangeAspect="1"/>
+          </p:cNvPicPr>
+          <p:nvPr/>
+        </p:nvPicPr>
+        <p:blipFill>
+          <a:blip r:embed="rId7"/>
+          <a:stretch>
+            <a:fillRect/>
+          </a:stretch>
+        </p:blipFill>
+        <p:spPr>
+          <a:xfrm>
+            <a:off x="393982" y="4690227"/>
+            <a:ext cx="3155163" cy="1996679"/>
+          </a:xfrm>
+          <a:prstGeom prst="rect">
+            <a:avLst/>
+          </a:prstGeom>
+        </p:spPr>
+      </p:pic>
+      <p:pic>
+        <p:nvPicPr>
+          <p:cNvPr id="8" name="Picture 7">
+            <a:extLst>
+              <a:ext uri="{FF2B5EF4-FFF2-40B4-BE49-F238E27FC236}">
+                <a16:creationId xmlns:a16="http://schemas.microsoft.com/office/drawing/2014/main" id="{53893F1C-4FC4-66DC-F68C-1796E08C8BBD}"/>
+              </a:ext>
+            </a:extLst>
+          </p:cNvPr>
+          <p:cNvPicPr>
+            <a:picLocks noChangeAspect="1"/>
+          </p:cNvPicPr>
+          <p:nvPr/>
+        </p:nvPicPr>
+        <p:blipFill>
+          <a:blip r:embed="rId8"/>
+          <a:srcRect r="52916"/>
+          <a:stretch/>
+        </p:blipFill>
+        <p:spPr>
+          <a:xfrm>
+            <a:off x="5709173" y="2917853"/>
+            <a:ext cx="3713594" cy="3336711"/>
+          </a:xfrm>
+          <a:prstGeom prst="rect">
+            <a:avLst/>
+          </a:prstGeom>
+        </p:spPr>
+      </p:pic>
     </p:spTree>
     <p:extLst>
       <p:ext uri="{BB962C8B-B14F-4D97-AF65-F5344CB8AC3E}">
-        <p14:creationId xmlns:p14="http://schemas.microsoft.com/office/powerpoint/2010/main" val="691974956"/>
+        <p14:creationId xmlns:p14="http://schemas.microsoft.com/office/powerpoint/2010/main" val="1103882889"/>
       </p:ext>
     </p:extLst>
   </p:cSld>
@@ -4134,7 +4730,7 @@
         <p:cNvPr id="1" name="">
           <a:extLst>
             <a:ext uri="{FF2B5EF4-FFF2-40B4-BE49-F238E27FC236}">
-              <a16:creationId xmlns:a16="http://schemas.microsoft.com/office/drawing/2014/main" id="{51F7A126-FCFA-6FF0-7C61-9885B7349DDC}"/>
+              <a16:creationId xmlns:a16="http://schemas.microsoft.com/office/drawing/2014/main" id="{2F104F32-8C33-6EEF-297F-06CE6D7A2E9A}"/>
             </a:ext>
           </a:extLst>
         </p:cNvPr>
@@ -4154,7 +4750,7 @@
           <p:cNvPr id="5" name="Group 4">
             <a:extLst>
               <a:ext uri="{FF2B5EF4-FFF2-40B4-BE49-F238E27FC236}">
-                <a16:creationId xmlns:a16="http://schemas.microsoft.com/office/drawing/2014/main" id="{3693B68C-E6F2-741F-550E-2F669CCE31EF}"/>
+                <a16:creationId xmlns:a16="http://schemas.microsoft.com/office/drawing/2014/main" id="{14F75DA0-AC8A-4429-1944-D2F6FB5AF2AB}"/>
               </a:ext>
             </a:extLst>
           </p:cNvPr>
@@ -4174,7 +4770,7 @@
             <p:cNvPr id="1026" name="Picture 2" descr="TU Dresden - Quantum Internet Alliance">
               <a:extLst>
                 <a:ext uri="{FF2B5EF4-FFF2-40B4-BE49-F238E27FC236}">
-                  <a16:creationId xmlns:a16="http://schemas.microsoft.com/office/drawing/2014/main" id="{D2D94B9B-1FF8-AEBA-F617-10BA461945B8}"/>
+                  <a16:creationId xmlns:a16="http://schemas.microsoft.com/office/drawing/2014/main" id="{2A5B46BD-A50B-88FA-6A9B-DBEAC2AFBE78}"/>
                 </a:ext>
               </a:extLst>
             </p:cNvPr>
@@ -4219,7 +4815,7 @@
             <p:cNvPr id="1028" name="Picture 4" descr="logo DRESDEN-concept - Helmholtz-Zentrum Dresden-Rossendorf, HZDR">
               <a:extLst>
                 <a:ext uri="{FF2B5EF4-FFF2-40B4-BE49-F238E27FC236}">
-                  <a16:creationId xmlns:a16="http://schemas.microsoft.com/office/drawing/2014/main" id="{0C36E7DD-B163-B9FA-7917-9CEFA83A7B8A}"/>
+                  <a16:creationId xmlns:a16="http://schemas.microsoft.com/office/drawing/2014/main" id="{B2E48476-EAE0-9350-8441-B88BB103D5FC}"/>
                 </a:ext>
               </a:extLst>
             </p:cNvPr>
@@ -4266,7 +4862,7 @@
             <p:cNvPr id="4" name="Rectangle 3">
               <a:extLst>
                 <a:ext uri="{FF2B5EF4-FFF2-40B4-BE49-F238E27FC236}">
-                  <a16:creationId xmlns:a16="http://schemas.microsoft.com/office/drawing/2014/main" id="{0CE6E247-94AA-97D5-14ED-ABAC1EEC4018}"/>
+                  <a16:creationId xmlns:a16="http://schemas.microsoft.com/office/drawing/2014/main" id="{AE4D48ED-575F-0A3F-6D68-44AA4A365E7E}"/>
                 </a:ext>
               </a:extLst>
             </p:cNvPr>
@@ -4319,7 +4915,7 @@
           <p:cNvPr id="1030" name="Picture 6" descr="Няма налично описание на снимката.">
             <a:extLst>
               <a:ext uri="{FF2B5EF4-FFF2-40B4-BE49-F238E27FC236}">
-                <a16:creationId xmlns:a16="http://schemas.microsoft.com/office/drawing/2014/main" id="{1A5AF90A-CDD3-813A-2D5B-83746514E38B}"/>
+                <a16:creationId xmlns:a16="http://schemas.microsoft.com/office/drawing/2014/main" id="{248A7444-38B8-F9B6-B82B-7FF8B5FA39F1}"/>
               </a:ext>
             </a:extLst>
           </p:cNvPr>
@@ -4366,7 +4962,7 @@
           <p:cNvPr id="9" name="TextBox 8">
             <a:extLst>
               <a:ext uri="{FF2B5EF4-FFF2-40B4-BE49-F238E27FC236}">
-                <a16:creationId xmlns:a16="http://schemas.microsoft.com/office/drawing/2014/main" id="{6ECC09A8-7852-171A-36B6-323EBEB1E457}"/>
+                <a16:creationId xmlns:a16="http://schemas.microsoft.com/office/drawing/2014/main" id="{B17D1828-8038-1F95-62AF-49CEE0D42D0F}"/>
               </a:ext>
             </a:extLst>
           </p:cNvPr>
@@ -4395,66 +4991,18 @@
                 <a:solidFill>
                   <a:schemeClr val="bg1"/>
                 </a:solidFill>
-                <a:latin typeface="+mj-lt"/>
               </a:rPr>
-              <a:t>Main.f90</a:t>
-            </a:r>
-          </a:p>
-        </p:txBody>
-      </p:sp>
-      <p:sp>
-        <p:nvSpPr>
-          <p:cNvPr id="6" name="TextBox 5">
-            <a:extLst>
-              <a:ext uri="{FF2B5EF4-FFF2-40B4-BE49-F238E27FC236}">
-                <a16:creationId xmlns:a16="http://schemas.microsoft.com/office/drawing/2014/main" id="{D9500F3E-7B5C-FF5B-9B92-035DE025A852}"/>
-              </a:ext>
-            </a:extLst>
-          </p:cNvPr>
-          <p:cNvSpPr txBox="1"/>
-          <p:nvPr/>
-        </p:nvSpPr>
-        <p:spPr>
-          <a:xfrm>
-            <a:off x="198120" y="1451803"/>
-            <a:ext cx="11795760" cy="584775"/>
-          </a:xfrm>
-          <a:prstGeom prst="rect">
-            <a:avLst/>
-          </a:prstGeom>
-          <a:noFill/>
-        </p:spPr>
-        <p:txBody>
-          <a:bodyPr wrap="square" rtlCol="0">
-            <a:spAutoFit/>
-          </a:bodyPr>
-          <a:lstStyle/>
-          <a:p>
-            <a:pPr algn="ctr"/>
-            <a:r>
-              <a:rPr lang="en-US" sz="3200" i="1" dirty="0">
-                <a:solidFill>
-                  <a:schemeClr val="bg1"/>
-                </a:solidFill>
-                <a:latin typeface="+mj-lt"/>
-              </a:rPr>
-              <a:t>Plot of Task 1</a:t>
-            </a:r>
-            <a:endParaRPr lang="en-GB" sz="3200" i="1" dirty="0">
-              <a:solidFill>
-                <a:schemeClr val="bg1"/>
-              </a:solidFill>
-              <a:latin typeface="+mj-lt"/>
-            </a:endParaRPr>
+              <a:t>Plot_01.png</a:t>
+            </a:r>
           </a:p>
         </p:txBody>
       </p:sp>
       <p:pic>
         <p:nvPicPr>
-          <p:cNvPr id="10" name="Picture 9">
-            <a:extLst>
-              <a:ext uri="{FF2B5EF4-FFF2-40B4-BE49-F238E27FC236}">
-                <a16:creationId xmlns:a16="http://schemas.microsoft.com/office/drawing/2014/main" id="{102FC818-1F36-C598-0509-446953E9B4C4}"/>
+          <p:cNvPr id="3" name="Picture 2" descr="A graph of a graph&#10;&#10;Description automatically generated with medium confidence">
+            <a:extLst>
+              <a:ext uri="{FF2B5EF4-FFF2-40B4-BE49-F238E27FC236}">
+                <a16:creationId xmlns:a16="http://schemas.microsoft.com/office/drawing/2014/main" id="{4EC1DCBF-DCE1-F7D8-539F-7D1B77383C6E}"/>
               </a:ext>
             </a:extLst>
           </p:cNvPr>
@@ -4464,510 +5012,31 @@
           <p:nvPr/>
         </p:nvPicPr>
         <p:blipFill>
-          <a:blip r:embed="rId5"/>
+          <a:blip r:embed="rId5">
+            <a:extLst>
+              <a:ext uri="{28A0092B-C50C-407E-A947-70E740481C1C}">
+                <a14:useLocalDpi xmlns:a14="http://schemas.microsoft.com/office/drawing/2010/main" val="0"/>
+              </a:ext>
+            </a:extLst>
+          </a:blip>
           <a:stretch>
             <a:fillRect/>
           </a:stretch>
         </p:blipFill>
         <p:spPr>
           <a:xfrm>
-            <a:off x="5740455" y="2520715"/>
-            <a:ext cx="3595637" cy="4136197"/>
+            <a:off x="1580258" y="1599098"/>
+            <a:ext cx="9031483" cy="5080209"/>
           </a:xfrm>
           <a:prstGeom prst="rect">
             <a:avLst/>
           </a:prstGeom>
         </p:spPr>
       </p:pic>
-      <p:pic>
-        <p:nvPicPr>
-          <p:cNvPr id="12" name="Picture 11">
-            <a:extLst>
-              <a:ext uri="{FF2B5EF4-FFF2-40B4-BE49-F238E27FC236}">
-                <a16:creationId xmlns:a16="http://schemas.microsoft.com/office/drawing/2014/main" id="{C08339B7-F8AB-EECB-6C4C-CBBB9942830B}"/>
-              </a:ext>
-            </a:extLst>
-          </p:cNvPr>
-          <p:cNvPicPr>
-            <a:picLocks noChangeAspect="1"/>
-          </p:cNvPicPr>
-          <p:nvPr/>
-        </p:nvPicPr>
-        <p:blipFill>
-          <a:blip r:embed="rId6"/>
-          <a:stretch>
-            <a:fillRect/>
-          </a:stretch>
-        </p:blipFill>
-        <p:spPr>
-          <a:xfrm>
-            <a:off x="402663" y="3386045"/>
-            <a:ext cx="3146483" cy="1202769"/>
-          </a:xfrm>
-          <a:prstGeom prst="rect">
-            <a:avLst/>
-          </a:prstGeom>
-        </p:spPr>
-      </p:pic>
-      <p:pic>
-        <p:nvPicPr>
-          <p:cNvPr id="14" name="Picture 13">
-            <a:extLst>
-              <a:ext uri="{FF2B5EF4-FFF2-40B4-BE49-F238E27FC236}">
-                <a16:creationId xmlns:a16="http://schemas.microsoft.com/office/drawing/2014/main" id="{8C92663C-0696-A2CD-2C07-0EBFD1F45047}"/>
-              </a:ext>
-            </a:extLst>
-          </p:cNvPr>
-          <p:cNvPicPr>
-            <a:picLocks noChangeAspect="1"/>
-          </p:cNvPicPr>
-          <p:nvPr/>
-        </p:nvPicPr>
-        <p:blipFill>
-          <a:blip r:embed="rId6"/>
-          <a:stretch>
-            <a:fillRect/>
-          </a:stretch>
-        </p:blipFill>
-        <p:spPr>
-          <a:xfrm>
-            <a:off x="371380" y="5133176"/>
-            <a:ext cx="3146483" cy="1202769"/>
-          </a:xfrm>
-          <a:prstGeom prst="rect">
-            <a:avLst/>
-          </a:prstGeom>
-        </p:spPr>
-      </p:pic>
-      <p:cxnSp>
-        <p:nvCxnSpPr>
-          <p:cNvPr id="19" name="Straight Arrow Connector 18">
-            <a:extLst>
-              <a:ext uri="{FF2B5EF4-FFF2-40B4-BE49-F238E27FC236}">
-                <a16:creationId xmlns:a16="http://schemas.microsoft.com/office/drawing/2014/main" id="{F4B9DEC7-7889-1DB7-2A57-149AC2F673EF}"/>
-              </a:ext>
-            </a:extLst>
-          </p:cNvPr>
-          <p:cNvCxnSpPr>
-            <a:cxnSpLocks/>
-            <a:stCxn id="12" idx="3"/>
-            <a:endCxn id="23" idx="1"/>
-          </p:cNvCxnSpPr>
-          <p:nvPr/>
-        </p:nvCxnSpPr>
-        <p:spPr>
-          <a:xfrm>
-            <a:off x="3549146" y="3987430"/>
-            <a:ext cx="339504" cy="938719"/>
-          </a:xfrm>
-          <a:prstGeom prst="straightConnector1">
-            <a:avLst/>
-          </a:prstGeom>
-          <a:ln w="38100">
-            <a:solidFill>
-              <a:srgbClr val="FF0000"/>
-            </a:solidFill>
-            <a:tailEnd type="triangle"/>
-          </a:ln>
-        </p:spPr>
-        <p:style>
-          <a:lnRef idx="2">
-            <a:schemeClr val="accent1"/>
-          </a:lnRef>
-          <a:fillRef idx="0">
-            <a:schemeClr val="accent1"/>
-          </a:fillRef>
-          <a:effectRef idx="1">
-            <a:schemeClr val="accent1"/>
-          </a:effectRef>
-          <a:fontRef idx="minor">
-            <a:schemeClr val="tx1"/>
-          </a:fontRef>
-        </p:style>
-      </p:cxnSp>
-      <p:cxnSp>
-        <p:nvCxnSpPr>
-          <p:cNvPr id="20" name="Straight Arrow Connector 19">
-            <a:extLst>
-              <a:ext uri="{FF2B5EF4-FFF2-40B4-BE49-F238E27FC236}">
-                <a16:creationId xmlns:a16="http://schemas.microsoft.com/office/drawing/2014/main" id="{8F3EEFD0-6EB7-B899-9626-DA4AF0E0518B}"/>
-              </a:ext>
-            </a:extLst>
-          </p:cNvPr>
-          <p:cNvCxnSpPr>
-            <a:cxnSpLocks/>
-            <a:stCxn id="14" idx="3"/>
-            <a:endCxn id="23" idx="1"/>
-          </p:cNvCxnSpPr>
-          <p:nvPr/>
-        </p:nvCxnSpPr>
-        <p:spPr>
-          <a:xfrm flipV="1">
-            <a:off x="3517863" y="4926149"/>
-            <a:ext cx="370787" cy="808412"/>
-          </a:xfrm>
-          <a:prstGeom prst="straightConnector1">
-            <a:avLst/>
-          </a:prstGeom>
-          <a:ln w="38100">
-            <a:solidFill>
-              <a:srgbClr val="FF0000"/>
-            </a:solidFill>
-            <a:tailEnd type="triangle"/>
-          </a:ln>
-        </p:spPr>
-        <p:style>
-          <a:lnRef idx="2">
-            <a:schemeClr val="accent1"/>
-          </a:lnRef>
-          <a:fillRef idx="0">
-            <a:schemeClr val="accent1"/>
-          </a:fillRef>
-          <a:effectRef idx="1">
-            <a:schemeClr val="accent1"/>
-          </a:effectRef>
-          <a:fontRef idx="minor">
-            <a:schemeClr val="tx1"/>
-          </a:fontRef>
-        </p:style>
-      </p:cxnSp>
-      <p:sp>
-        <p:nvSpPr>
-          <p:cNvPr id="23" name="TextBox 22">
-            <a:extLst>
-              <a:ext uri="{FF2B5EF4-FFF2-40B4-BE49-F238E27FC236}">
-                <a16:creationId xmlns:a16="http://schemas.microsoft.com/office/drawing/2014/main" id="{10B0766B-9256-9FA3-0157-D33CF90633C4}"/>
-              </a:ext>
-            </a:extLst>
-          </p:cNvPr>
-          <p:cNvSpPr txBox="1"/>
-          <p:nvPr/>
-        </p:nvSpPr>
-        <p:spPr>
-          <a:xfrm>
-            <a:off x="3888650" y="4495262"/>
-            <a:ext cx="1481018" cy="861774"/>
-          </a:xfrm>
-          <a:prstGeom prst="rect">
-            <a:avLst/>
-          </a:prstGeom>
-          <a:solidFill>
-            <a:schemeClr val="accent1">
-              <a:lumMod val="20000"/>
-              <a:lumOff val="80000"/>
-            </a:schemeClr>
-          </a:solidFill>
-          <a:ln w="28575">
-            <a:solidFill>
-              <a:srgbClr val="FF0000"/>
-            </a:solidFill>
-          </a:ln>
-        </p:spPr>
-        <p:txBody>
-          <a:bodyPr wrap="square" rtlCol="0">
-            <a:spAutoFit/>
-          </a:bodyPr>
-          <a:lstStyle/>
-          <a:p>
-            <a:pPr algn="ctr"/>
-            <a:r>
-              <a:rPr lang="en-GB" sz="1600" dirty="0"/>
-              <a:t>Output</a:t>
-            </a:r>
-          </a:p>
-          <a:p>
-            <a:pPr marL="285750" indent="-285750" algn="ctr">
-              <a:buFontTx/>
-              <a:buChar char="-"/>
-            </a:pPr>
-            <a:r>
-              <a:rPr lang="en-GB" sz="1600" dirty="0"/>
-              <a:t>data_f_r.txt</a:t>
-            </a:r>
-          </a:p>
-          <a:p>
-            <a:pPr marL="285750" indent="-285750" algn="ctr">
-              <a:buFontTx/>
-              <a:buChar char="-"/>
-            </a:pPr>
-            <a:r>
-              <a:rPr lang="en-GB" sz="1600" dirty="0"/>
-              <a:t>data_f_s.txt</a:t>
-            </a:r>
-          </a:p>
-        </p:txBody>
-      </p:sp>
-      <p:cxnSp>
-        <p:nvCxnSpPr>
-          <p:cNvPr id="26" name="Straight Arrow Connector 25">
-            <a:extLst>
-              <a:ext uri="{FF2B5EF4-FFF2-40B4-BE49-F238E27FC236}">
-                <a16:creationId xmlns:a16="http://schemas.microsoft.com/office/drawing/2014/main" id="{7BBAA12A-9335-EE8A-F1C4-FD479BECBCEF}"/>
-              </a:ext>
-            </a:extLst>
-          </p:cNvPr>
-          <p:cNvCxnSpPr>
-            <a:cxnSpLocks/>
-            <a:stCxn id="23" idx="3"/>
-          </p:cNvCxnSpPr>
-          <p:nvPr/>
-        </p:nvCxnSpPr>
-        <p:spPr>
-          <a:xfrm>
-            <a:off x="5369668" y="4926149"/>
-            <a:ext cx="370787" cy="0"/>
-          </a:xfrm>
-          <a:prstGeom prst="straightConnector1">
-            <a:avLst/>
-          </a:prstGeom>
-          <a:ln w="38100">
-            <a:solidFill>
-              <a:srgbClr val="FF0000"/>
-            </a:solidFill>
-            <a:tailEnd type="triangle"/>
-          </a:ln>
-        </p:spPr>
-        <p:style>
-          <a:lnRef idx="2">
-            <a:schemeClr val="accent1"/>
-          </a:lnRef>
-          <a:fillRef idx="0">
-            <a:schemeClr val="accent1"/>
-          </a:fillRef>
-          <a:effectRef idx="1">
-            <a:schemeClr val="accent1"/>
-          </a:effectRef>
-          <a:fontRef idx="minor">
-            <a:schemeClr val="tx1"/>
-          </a:fontRef>
-        </p:style>
-      </p:cxnSp>
-      <p:sp>
-        <p:nvSpPr>
-          <p:cNvPr id="49" name="TextBox 48">
-            <a:extLst>
-              <a:ext uri="{FF2B5EF4-FFF2-40B4-BE49-F238E27FC236}">
-                <a16:creationId xmlns:a16="http://schemas.microsoft.com/office/drawing/2014/main" id="{3AAB4652-205C-AF31-C7B9-9BB5EC5C5772}"/>
-              </a:ext>
-            </a:extLst>
-          </p:cNvPr>
-          <p:cNvSpPr txBox="1"/>
-          <p:nvPr/>
-        </p:nvSpPr>
-        <p:spPr>
-          <a:xfrm>
-            <a:off x="7782128" y="2151383"/>
-            <a:ext cx="1077248" cy="369332"/>
-          </a:xfrm>
-          <a:prstGeom prst="rect">
-            <a:avLst/>
-          </a:prstGeom>
-          <a:noFill/>
-        </p:spPr>
-        <p:txBody>
-          <a:bodyPr wrap="square" rtlCol="0">
-            <a:spAutoFit/>
-          </a:bodyPr>
-          <a:lstStyle/>
-          <a:p>
-            <a:r>
-              <a:rPr lang="en-US" dirty="0">
-                <a:solidFill>
-                  <a:schemeClr val="bg1"/>
-                </a:solidFill>
-              </a:rPr>
-              <a:t>Main.f90</a:t>
-            </a:r>
-            <a:endParaRPr lang="en-GB" dirty="0">
-              <a:solidFill>
-                <a:schemeClr val="bg1"/>
-              </a:solidFill>
-            </a:endParaRPr>
-          </a:p>
-        </p:txBody>
-      </p:sp>
-      <p:sp>
-        <p:nvSpPr>
-          <p:cNvPr id="50" name="TextBox 49">
-            <a:extLst>
-              <a:ext uri="{FF2B5EF4-FFF2-40B4-BE49-F238E27FC236}">
-                <a16:creationId xmlns:a16="http://schemas.microsoft.com/office/drawing/2014/main" id="{D44712B0-E6B0-9BF2-8B62-FC712673E9AB}"/>
-              </a:ext>
-            </a:extLst>
-          </p:cNvPr>
-          <p:cNvSpPr txBox="1"/>
-          <p:nvPr/>
-        </p:nvSpPr>
-        <p:spPr>
-          <a:xfrm>
-            <a:off x="402662" y="2971765"/>
-            <a:ext cx="3146483" cy="369332"/>
-          </a:xfrm>
-          <a:prstGeom prst="rect">
-            <a:avLst/>
-          </a:prstGeom>
-          <a:noFill/>
-        </p:spPr>
-        <p:txBody>
-          <a:bodyPr wrap="square" rtlCol="0">
-            <a:spAutoFit/>
-          </a:bodyPr>
-          <a:lstStyle/>
-          <a:p>
-            <a:pPr algn="ctr"/>
-            <a:r>
-              <a:rPr lang="en-GB" sz="1800" dirty="0">
-                <a:solidFill>
-                  <a:schemeClr val="bg1"/>
-                </a:solidFill>
-                <a:latin typeface="+mj-lt"/>
-              </a:rPr>
-              <a:t>Sub_newton_inter.f90</a:t>
-            </a:r>
-          </a:p>
-        </p:txBody>
-      </p:sp>
-      <p:sp>
-        <p:nvSpPr>
-          <p:cNvPr id="51" name="TextBox 50">
-            <a:extLst>
-              <a:ext uri="{FF2B5EF4-FFF2-40B4-BE49-F238E27FC236}">
-                <a16:creationId xmlns:a16="http://schemas.microsoft.com/office/drawing/2014/main" id="{4D0D51B5-83FC-8B21-529C-9FB803E01BEE}"/>
-              </a:ext>
-            </a:extLst>
-          </p:cNvPr>
-          <p:cNvSpPr txBox="1"/>
-          <p:nvPr/>
-        </p:nvSpPr>
-        <p:spPr>
-          <a:xfrm>
-            <a:off x="371380" y="4757171"/>
-            <a:ext cx="3146483" cy="369332"/>
-          </a:xfrm>
-          <a:prstGeom prst="rect">
-            <a:avLst/>
-          </a:prstGeom>
-          <a:noFill/>
-        </p:spPr>
-        <p:txBody>
-          <a:bodyPr wrap="square" rtlCol="0">
-            <a:spAutoFit/>
-          </a:bodyPr>
-          <a:lstStyle/>
-          <a:p>
-            <a:pPr algn="ctr"/>
-            <a:r>
-              <a:rPr lang="en-GB" sz="1800" dirty="0">
-                <a:solidFill>
-                  <a:schemeClr val="bg1"/>
-                </a:solidFill>
-              </a:rPr>
-              <a:t>Sub_cubic_spline.f90</a:t>
-            </a:r>
-          </a:p>
-        </p:txBody>
-      </p:sp>
-      <p:cxnSp>
-        <p:nvCxnSpPr>
-          <p:cNvPr id="62" name="Straight Arrow Connector 61">
-            <a:extLst>
-              <a:ext uri="{FF2B5EF4-FFF2-40B4-BE49-F238E27FC236}">
-                <a16:creationId xmlns:a16="http://schemas.microsoft.com/office/drawing/2014/main" id="{5869F6C4-2BC2-B653-B48A-7C53E1551289}"/>
-              </a:ext>
-            </a:extLst>
-          </p:cNvPr>
-          <p:cNvCxnSpPr>
-            <a:cxnSpLocks/>
-          </p:cNvCxnSpPr>
-          <p:nvPr/>
-        </p:nvCxnSpPr>
-        <p:spPr>
-          <a:xfrm>
-            <a:off x="9336092" y="4941837"/>
-            <a:ext cx="370787" cy="0"/>
-          </a:xfrm>
-          <a:prstGeom prst="straightConnector1">
-            <a:avLst/>
-          </a:prstGeom>
-          <a:ln w="38100">
-            <a:solidFill>
-              <a:srgbClr val="FF0000"/>
-            </a:solidFill>
-            <a:tailEnd type="triangle"/>
-          </a:ln>
-        </p:spPr>
-        <p:style>
-          <a:lnRef idx="2">
-            <a:schemeClr val="accent1"/>
-          </a:lnRef>
-          <a:fillRef idx="0">
-            <a:schemeClr val="accent1"/>
-          </a:fillRef>
-          <a:effectRef idx="1">
-            <a:schemeClr val="accent1"/>
-          </a:effectRef>
-          <a:fontRef idx="minor">
-            <a:schemeClr val="tx1"/>
-          </a:fontRef>
-        </p:style>
-      </p:cxnSp>
-      <p:sp>
-        <p:nvSpPr>
-          <p:cNvPr id="63" name="TextBox 62">
-            <a:extLst>
-              <a:ext uri="{FF2B5EF4-FFF2-40B4-BE49-F238E27FC236}">
-                <a16:creationId xmlns:a16="http://schemas.microsoft.com/office/drawing/2014/main" id="{719CA191-F72F-02D4-0D18-4FA8C9B98607}"/>
-              </a:ext>
-            </a:extLst>
-          </p:cNvPr>
-          <p:cNvSpPr txBox="1"/>
-          <p:nvPr/>
-        </p:nvSpPr>
-        <p:spPr>
-          <a:xfrm>
-            <a:off x="9706879" y="4633761"/>
-            <a:ext cx="1481018" cy="584775"/>
-          </a:xfrm>
-          <a:prstGeom prst="rect">
-            <a:avLst/>
-          </a:prstGeom>
-          <a:solidFill>
-            <a:schemeClr val="accent1">
-              <a:lumMod val="20000"/>
-              <a:lumOff val="80000"/>
-            </a:schemeClr>
-          </a:solidFill>
-          <a:ln w="28575">
-            <a:solidFill>
-              <a:srgbClr val="FF0000"/>
-            </a:solidFill>
-          </a:ln>
-        </p:spPr>
-        <p:txBody>
-          <a:bodyPr wrap="square" rtlCol="0">
-            <a:spAutoFit/>
-          </a:bodyPr>
-          <a:lstStyle/>
-          <a:p>
-            <a:pPr algn="ctr"/>
-            <a:r>
-              <a:rPr lang="en-GB" sz="1600" dirty="0"/>
-              <a:t>Output</a:t>
-            </a:r>
-          </a:p>
-          <a:p>
-            <a:pPr algn="ctr"/>
-            <a:r>
-              <a:rPr lang="en-GB" sz="1600" dirty="0"/>
-              <a:t>plot_01.jpg</a:t>
-            </a:r>
-          </a:p>
-        </p:txBody>
-      </p:sp>
     </p:spTree>
     <p:extLst>
       <p:ext uri="{BB962C8B-B14F-4D97-AF65-F5344CB8AC3E}">
-        <p14:creationId xmlns:p14="http://schemas.microsoft.com/office/powerpoint/2010/main" val="238808555"/>
+        <p14:creationId xmlns:p14="http://schemas.microsoft.com/office/powerpoint/2010/main" val="756548864"/>
       </p:ext>
     </p:extLst>
   </p:cSld>
@@ -5262,27 +5331,67 @@
           </a:p>
         </p:txBody>
       </p:sp>
-      <p:sp>
-        <p:nvSpPr>
-          <p:cNvPr id="6" name="TextBox 5">
-            <a:extLst>
-              <a:ext uri="{FF2B5EF4-FFF2-40B4-BE49-F238E27FC236}">
-                <a16:creationId xmlns:a16="http://schemas.microsoft.com/office/drawing/2014/main" id="{BDF21C95-3E9A-D491-F88E-87F370AF52F6}"/>
-              </a:ext>
-            </a:extLst>
-          </p:cNvPr>
-          <p:cNvSpPr txBox="1"/>
-          <p:nvPr/>
-        </p:nvSpPr>
+      <p:pic>
+        <p:nvPicPr>
+          <p:cNvPr id="14" name="Picture 13">
+            <a:extLst>
+              <a:ext uri="{FF2B5EF4-FFF2-40B4-BE49-F238E27FC236}">
+                <a16:creationId xmlns:a16="http://schemas.microsoft.com/office/drawing/2014/main" id="{2CC039F8-FD21-0215-984D-BEECA192159C}"/>
+              </a:ext>
+            </a:extLst>
+          </p:cNvPr>
+          <p:cNvPicPr>
+            <a:picLocks noChangeAspect="1"/>
+          </p:cNvPicPr>
+          <p:nvPr/>
+        </p:nvPicPr>
+        <p:blipFill>
+          <a:blip r:embed="rId5"/>
+          <a:stretch>
+            <a:fillRect/>
+          </a:stretch>
+        </p:blipFill>
         <p:spPr>
           <a:xfrm>
-            <a:off x="198120" y="1451803"/>
-            <a:ext cx="11795760" cy="584775"/>
+            <a:off x="248920" y="1775915"/>
+            <a:ext cx="11694160" cy="4851112"/>
           </a:xfrm>
           <a:prstGeom prst="rect">
             <a:avLst/>
           </a:prstGeom>
-          <a:noFill/>
+        </p:spPr>
+      </p:pic>
+      <p:sp>
+        <p:nvSpPr>
+          <p:cNvPr id="15" name="TextBox 14">
+            <a:extLst>
+              <a:ext uri="{FF2B5EF4-FFF2-40B4-BE49-F238E27FC236}">
+                <a16:creationId xmlns:a16="http://schemas.microsoft.com/office/drawing/2014/main" id="{A8998885-43A8-5160-2316-F00D68C35FA7}"/>
+              </a:ext>
+            </a:extLst>
+          </p:cNvPr>
+          <p:cNvSpPr txBox="1"/>
+          <p:nvPr/>
+        </p:nvSpPr>
+        <p:spPr>
+          <a:xfrm>
+            <a:off x="3811918" y="1929472"/>
+            <a:ext cx="2192642" cy="338554"/>
+          </a:xfrm>
+          <a:prstGeom prst="rect">
+            <a:avLst/>
+          </a:prstGeom>
+          <a:solidFill>
+            <a:schemeClr val="accent1">
+              <a:lumMod val="20000"/>
+              <a:lumOff val="80000"/>
+            </a:schemeClr>
+          </a:solidFill>
+          <a:ln w="28575">
+            <a:solidFill>
+              <a:srgbClr val="FF0000"/>
+            </a:solidFill>
+          </a:ln>
         </p:spPr>
         <p:txBody>
           <a:bodyPr wrap="square" rtlCol="0">
@@ -5292,20 +5401,676 @@
           <a:p>
             <a:pPr algn="ctr"/>
             <a:r>
-              <a:rPr lang="en-US" sz="3200" i="1" dirty="0">
-                <a:solidFill>
-                  <a:schemeClr val="bg1"/>
-                </a:solidFill>
-                <a:latin typeface="+mj-lt"/>
-              </a:rPr>
-              <a:t>…</a:t>
-            </a:r>
-            <a:endParaRPr lang="en-GB" sz="3200" i="1" dirty="0">
-              <a:solidFill>
-                <a:schemeClr val="bg1"/>
-              </a:solidFill>
-              <a:latin typeface="+mj-lt"/>
-            </a:endParaRPr>
+              <a:rPr lang="en-GB" sz="1600" dirty="0"/>
+              <a:t>Domain of Integration</a:t>
+            </a:r>
+          </a:p>
+        </p:txBody>
+      </p:sp>
+      <p:cxnSp>
+        <p:nvCxnSpPr>
+          <p:cNvPr id="17" name="Straight Arrow Connector 16">
+            <a:extLst>
+              <a:ext uri="{FF2B5EF4-FFF2-40B4-BE49-F238E27FC236}">
+                <a16:creationId xmlns:a16="http://schemas.microsoft.com/office/drawing/2014/main" id="{6DA04E55-053F-2B8F-9AAC-71C2E118B82F}"/>
+              </a:ext>
+            </a:extLst>
+          </p:cNvPr>
+          <p:cNvCxnSpPr>
+            <a:cxnSpLocks/>
+          </p:cNvCxnSpPr>
+          <p:nvPr/>
+        </p:nvCxnSpPr>
+        <p:spPr>
+          <a:xfrm>
+            <a:off x="2361184" y="2117603"/>
+            <a:ext cx="1450734" cy="0"/>
+          </a:xfrm>
+          <a:prstGeom prst="straightConnector1">
+            <a:avLst/>
+          </a:prstGeom>
+          <a:ln w="28575">
+            <a:solidFill>
+              <a:srgbClr val="FF0000"/>
+            </a:solidFill>
+            <a:tailEnd type="triangle"/>
+          </a:ln>
+        </p:spPr>
+        <p:style>
+          <a:lnRef idx="2">
+            <a:schemeClr val="accent1"/>
+          </a:lnRef>
+          <a:fillRef idx="0">
+            <a:schemeClr val="accent1"/>
+          </a:fillRef>
+          <a:effectRef idx="1">
+            <a:schemeClr val="accent1"/>
+          </a:effectRef>
+          <a:fontRef idx="minor">
+            <a:schemeClr val="tx1"/>
+          </a:fontRef>
+        </p:style>
+      </p:cxnSp>
+      <p:sp>
+        <p:nvSpPr>
+          <p:cNvPr id="19" name="TextBox 18">
+            <a:extLst>
+              <a:ext uri="{FF2B5EF4-FFF2-40B4-BE49-F238E27FC236}">
+                <a16:creationId xmlns:a16="http://schemas.microsoft.com/office/drawing/2014/main" id="{7C732D13-AE11-3D88-EB55-719A49D221E3}"/>
+              </a:ext>
+            </a:extLst>
+          </p:cNvPr>
+          <p:cNvSpPr txBox="1"/>
+          <p:nvPr/>
+        </p:nvSpPr>
+        <p:spPr>
+          <a:xfrm>
+            <a:off x="2874658" y="3163912"/>
+            <a:ext cx="2489822" cy="338554"/>
+          </a:xfrm>
+          <a:prstGeom prst="rect">
+            <a:avLst/>
+          </a:prstGeom>
+          <a:solidFill>
+            <a:schemeClr val="accent1">
+              <a:lumMod val="20000"/>
+              <a:lumOff val="80000"/>
+            </a:schemeClr>
+          </a:solidFill>
+          <a:ln w="28575">
+            <a:solidFill>
+              <a:srgbClr val="FF0000"/>
+            </a:solidFill>
+          </a:ln>
+        </p:spPr>
+        <p:txBody>
+          <a:bodyPr wrap="square" rtlCol="0">
+            <a:spAutoFit/>
+          </a:bodyPr>
+          <a:lstStyle/>
+          <a:p>
+            <a:pPr algn="ctr"/>
+            <a:r>
+              <a:rPr lang="en-GB" sz="1600" dirty="0"/>
+              <a:t>Starting Simulation Points</a:t>
+            </a:r>
+          </a:p>
+        </p:txBody>
+      </p:sp>
+      <p:cxnSp>
+        <p:nvCxnSpPr>
+          <p:cNvPr id="20" name="Straight Arrow Connector 19">
+            <a:extLst>
+              <a:ext uri="{FF2B5EF4-FFF2-40B4-BE49-F238E27FC236}">
+                <a16:creationId xmlns:a16="http://schemas.microsoft.com/office/drawing/2014/main" id="{654496D3-A8E5-AD8A-B17A-E5010DE864C3}"/>
+              </a:ext>
+            </a:extLst>
+          </p:cNvPr>
+          <p:cNvCxnSpPr>
+            <a:cxnSpLocks/>
+          </p:cNvCxnSpPr>
+          <p:nvPr/>
+        </p:nvCxnSpPr>
+        <p:spPr>
+          <a:xfrm>
+            <a:off x="1423924" y="3352043"/>
+            <a:ext cx="1450734" cy="0"/>
+          </a:xfrm>
+          <a:prstGeom prst="straightConnector1">
+            <a:avLst/>
+          </a:prstGeom>
+          <a:ln w="28575">
+            <a:solidFill>
+              <a:srgbClr val="FF0000"/>
+            </a:solidFill>
+            <a:tailEnd type="triangle"/>
+          </a:ln>
+        </p:spPr>
+        <p:style>
+          <a:lnRef idx="2">
+            <a:schemeClr val="accent1"/>
+          </a:lnRef>
+          <a:fillRef idx="0">
+            <a:schemeClr val="accent1"/>
+          </a:fillRef>
+          <a:effectRef idx="1">
+            <a:schemeClr val="accent1"/>
+          </a:effectRef>
+          <a:fontRef idx="minor">
+            <a:schemeClr val="tx1"/>
+          </a:fontRef>
+        </p:style>
+      </p:cxnSp>
+      <p:sp>
+        <p:nvSpPr>
+          <p:cNvPr id="21" name="TextBox 20">
+            <a:extLst>
+              <a:ext uri="{FF2B5EF4-FFF2-40B4-BE49-F238E27FC236}">
+                <a16:creationId xmlns:a16="http://schemas.microsoft.com/office/drawing/2014/main" id="{383A52FE-327F-F833-EE62-AB85C437F8CB}"/>
+              </a:ext>
+            </a:extLst>
+          </p:cNvPr>
+          <p:cNvSpPr txBox="1"/>
+          <p:nvPr/>
+        </p:nvSpPr>
+        <p:spPr>
+          <a:xfrm>
+            <a:off x="8584889" y="4217840"/>
+            <a:ext cx="2489822" cy="338554"/>
+          </a:xfrm>
+          <a:prstGeom prst="rect">
+            <a:avLst/>
+          </a:prstGeom>
+          <a:solidFill>
+            <a:schemeClr val="accent1">
+              <a:lumMod val="20000"/>
+              <a:lumOff val="80000"/>
+            </a:schemeClr>
+          </a:solidFill>
+          <a:ln w="28575">
+            <a:solidFill>
+              <a:srgbClr val="FF0000"/>
+            </a:solidFill>
+          </a:ln>
+        </p:spPr>
+        <p:txBody>
+          <a:bodyPr wrap="square" rtlCol="0">
+            <a:spAutoFit/>
+          </a:bodyPr>
+          <a:lstStyle/>
+          <a:p>
+            <a:pPr algn="ctr"/>
+            <a:r>
+              <a:rPr lang="en-GB" sz="1600" dirty="0"/>
+              <a:t>Calling RN for x and y</a:t>
+            </a:r>
+          </a:p>
+        </p:txBody>
+      </p:sp>
+      <p:cxnSp>
+        <p:nvCxnSpPr>
+          <p:cNvPr id="22" name="Straight Arrow Connector 21">
+            <a:extLst>
+              <a:ext uri="{FF2B5EF4-FFF2-40B4-BE49-F238E27FC236}">
+                <a16:creationId xmlns:a16="http://schemas.microsoft.com/office/drawing/2014/main" id="{CB085EA0-4455-2E56-73B9-16D2321E87C4}"/>
+              </a:ext>
+            </a:extLst>
+          </p:cNvPr>
+          <p:cNvCxnSpPr>
+            <a:cxnSpLocks/>
+          </p:cNvCxnSpPr>
+          <p:nvPr/>
+        </p:nvCxnSpPr>
+        <p:spPr>
+          <a:xfrm>
+            <a:off x="3307080" y="4405971"/>
+            <a:ext cx="5277809" cy="0"/>
+          </a:xfrm>
+          <a:prstGeom prst="straightConnector1">
+            <a:avLst/>
+          </a:prstGeom>
+          <a:ln w="28575">
+            <a:solidFill>
+              <a:srgbClr val="FF0000"/>
+            </a:solidFill>
+            <a:tailEnd type="triangle"/>
+          </a:ln>
+        </p:spPr>
+        <p:style>
+          <a:lnRef idx="2">
+            <a:schemeClr val="accent1"/>
+          </a:lnRef>
+          <a:fillRef idx="0">
+            <a:schemeClr val="accent1"/>
+          </a:fillRef>
+          <a:effectRef idx="1">
+            <a:schemeClr val="accent1"/>
+          </a:effectRef>
+          <a:fontRef idx="minor">
+            <a:schemeClr val="tx1"/>
+          </a:fontRef>
+        </p:style>
+      </p:cxnSp>
+      <p:sp>
+        <p:nvSpPr>
+          <p:cNvPr id="23" name="TextBox 22">
+            <a:extLst>
+              <a:ext uri="{FF2B5EF4-FFF2-40B4-BE49-F238E27FC236}">
+                <a16:creationId xmlns:a16="http://schemas.microsoft.com/office/drawing/2014/main" id="{50E347AE-D9E6-18E3-29FD-CD8FF3253883}"/>
+              </a:ext>
+            </a:extLst>
+          </p:cNvPr>
+          <p:cNvSpPr txBox="1"/>
+          <p:nvPr/>
+        </p:nvSpPr>
+        <p:spPr>
+          <a:xfrm>
+            <a:off x="4444555" y="4590026"/>
+            <a:ext cx="2931606" cy="338554"/>
+          </a:xfrm>
+          <a:prstGeom prst="rect">
+            <a:avLst/>
+          </a:prstGeom>
+          <a:solidFill>
+            <a:schemeClr val="accent1">
+              <a:lumMod val="20000"/>
+              <a:lumOff val="80000"/>
+            </a:schemeClr>
+          </a:solidFill>
+          <a:ln w="28575">
+            <a:solidFill>
+              <a:srgbClr val="FF0000"/>
+            </a:solidFill>
+          </a:ln>
+        </p:spPr>
+        <p:txBody>
+          <a:bodyPr wrap="square" rtlCol="0">
+            <a:spAutoFit/>
+          </a:bodyPr>
+          <a:lstStyle/>
+          <a:p>
+            <a:pPr algn="ctr"/>
+            <a:r>
+              <a:rPr lang="en-GB" sz="1600" dirty="0"/>
+              <a:t>Plotting the RN in the domain</a:t>
+            </a:r>
+          </a:p>
+        </p:txBody>
+      </p:sp>
+      <p:cxnSp>
+        <p:nvCxnSpPr>
+          <p:cNvPr id="25" name="Straight Arrow Connector 24">
+            <a:extLst>
+              <a:ext uri="{FF2B5EF4-FFF2-40B4-BE49-F238E27FC236}">
+                <a16:creationId xmlns:a16="http://schemas.microsoft.com/office/drawing/2014/main" id="{C20A0E84-F9AE-1B0E-6072-BC333C00B872}"/>
+              </a:ext>
+            </a:extLst>
+          </p:cNvPr>
+          <p:cNvCxnSpPr>
+            <a:cxnSpLocks/>
+            <a:endCxn id="23" idx="1"/>
+          </p:cNvCxnSpPr>
+          <p:nvPr/>
+        </p:nvCxnSpPr>
+        <p:spPr>
+          <a:xfrm flipV="1">
+            <a:off x="3719188" y="4759303"/>
+            <a:ext cx="725367" cy="10060"/>
+          </a:xfrm>
+          <a:prstGeom prst="straightConnector1">
+            <a:avLst/>
+          </a:prstGeom>
+          <a:ln w="28575">
+            <a:solidFill>
+              <a:srgbClr val="FF0000"/>
+            </a:solidFill>
+            <a:tailEnd type="triangle"/>
+          </a:ln>
+        </p:spPr>
+        <p:style>
+          <a:lnRef idx="2">
+            <a:schemeClr val="accent1"/>
+          </a:lnRef>
+          <a:fillRef idx="0">
+            <a:schemeClr val="accent1"/>
+          </a:fillRef>
+          <a:effectRef idx="1">
+            <a:schemeClr val="accent1"/>
+          </a:effectRef>
+          <a:fontRef idx="minor">
+            <a:schemeClr val="tx1"/>
+          </a:fontRef>
+        </p:style>
+      </p:cxnSp>
+      <p:sp>
+        <p:nvSpPr>
+          <p:cNvPr id="27" name="TextBox 26">
+            <a:extLst>
+              <a:ext uri="{FF2B5EF4-FFF2-40B4-BE49-F238E27FC236}">
+                <a16:creationId xmlns:a16="http://schemas.microsoft.com/office/drawing/2014/main" id="{DC5AF954-91A1-9B39-B30C-0EA6C588EB7E}"/>
+              </a:ext>
+            </a:extLst>
+          </p:cNvPr>
+          <p:cNvSpPr txBox="1"/>
+          <p:nvPr/>
+        </p:nvSpPr>
+        <p:spPr>
+          <a:xfrm>
+            <a:off x="7523035" y="4928580"/>
+            <a:ext cx="1971485" cy="338554"/>
+          </a:xfrm>
+          <a:prstGeom prst="rect">
+            <a:avLst/>
+          </a:prstGeom>
+          <a:solidFill>
+            <a:schemeClr val="accent1">
+              <a:lumMod val="20000"/>
+              <a:lumOff val="80000"/>
+            </a:schemeClr>
+          </a:solidFill>
+          <a:ln w="28575">
+            <a:solidFill>
+              <a:srgbClr val="FF0000"/>
+            </a:solidFill>
+          </a:ln>
+        </p:spPr>
+        <p:txBody>
+          <a:bodyPr wrap="square" rtlCol="0">
+            <a:spAutoFit/>
+          </a:bodyPr>
+          <a:lstStyle/>
+          <a:p>
+            <a:pPr algn="ctr"/>
+            <a:r>
+              <a:rPr lang="en-GB" sz="1600" dirty="0"/>
+              <a:t>Calculating </a:t>
+            </a:r>
+            <a:r>
+              <a:rPr lang="en-GB" sz="1600" dirty="0" err="1"/>
+              <a:t>f_r</a:t>
+            </a:r>
+            <a:r>
+              <a:rPr lang="en-GB" sz="1600" dirty="0"/>
+              <a:t> * </a:t>
+            </a:r>
+            <a:r>
+              <a:rPr lang="en-GB" sz="1600" dirty="0" err="1"/>
+              <a:t>f_s</a:t>
+            </a:r>
+            <a:endParaRPr lang="en-GB" sz="1600" dirty="0"/>
+          </a:p>
+        </p:txBody>
+      </p:sp>
+      <p:cxnSp>
+        <p:nvCxnSpPr>
+          <p:cNvPr id="28" name="Straight Arrow Connector 27">
+            <a:extLst>
+              <a:ext uri="{FF2B5EF4-FFF2-40B4-BE49-F238E27FC236}">
+                <a16:creationId xmlns:a16="http://schemas.microsoft.com/office/drawing/2014/main" id="{D76E1301-9165-A757-38DA-516F39A4CCB0}"/>
+              </a:ext>
+            </a:extLst>
+          </p:cNvPr>
+          <p:cNvCxnSpPr>
+            <a:cxnSpLocks/>
+            <a:endCxn id="27" idx="1"/>
+          </p:cNvCxnSpPr>
+          <p:nvPr/>
+        </p:nvCxnSpPr>
+        <p:spPr>
+          <a:xfrm flipV="1">
+            <a:off x="4119569" y="5097857"/>
+            <a:ext cx="3403466" cy="34897"/>
+          </a:xfrm>
+          <a:prstGeom prst="straightConnector1">
+            <a:avLst/>
+          </a:prstGeom>
+          <a:ln w="28575">
+            <a:solidFill>
+              <a:srgbClr val="FF0000"/>
+            </a:solidFill>
+            <a:tailEnd type="triangle"/>
+          </a:ln>
+        </p:spPr>
+        <p:style>
+          <a:lnRef idx="2">
+            <a:schemeClr val="accent1"/>
+          </a:lnRef>
+          <a:fillRef idx="0">
+            <a:schemeClr val="accent1"/>
+          </a:fillRef>
+          <a:effectRef idx="1">
+            <a:schemeClr val="accent1"/>
+          </a:effectRef>
+          <a:fontRef idx="minor">
+            <a:schemeClr val="tx1"/>
+          </a:fontRef>
+        </p:style>
+      </p:cxnSp>
+      <p:cxnSp>
+        <p:nvCxnSpPr>
+          <p:cNvPr id="30" name="Straight Arrow Connector 29">
+            <a:extLst>
+              <a:ext uri="{FF2B5EF4-FFF2-40B4-BE49-F238E27FC236}">
+                <a16:creationId xmlns:a16="http://schemas.microsoft.com/office/drawing/2014/main" id="{360C53FD-6994-4B39-03A8-F943BB13711E}"/>
+              </a:ext>
+            </a:extLst>
+          </p:cNvPr>
+          <p:cNvCxnSpPr>
+            <a:cxnSpLocks/>
+          </p:cNvCxnSpPr>
+          <p:nvPr/>
+        </p:nvCxnSpPr>
+        <p:spPr>
+          <a:xfrm flipV="1">
+            <a:off x="4302827" y="5459585"/>
+            <a:ext cx="3403466" cy="34897"/>
+          </a:xfrm>
+          <a:prstGeom prst="straightConnector1">
+            <a:avLst/>
+          </a:prstGeom>
+          <a:ln w="28575">
+            <a:solidFill>
+              <a:srgbClr val="FF0000"/>
+            </a:solidFill>
+            <a:tailEnd type="triangle"/>
+          </a:ln>
+        </p:spPr>
+        <p:style>
+          <a:lnRef idx="2">
+            <a:schemeClr val="accent1"/>
+          </a:lnRef>
+          <a:fillRef idx="0">
+            <a:schemeClr val="accent1"/>
+          </a:fillRef>
+          <a:effectRef idx="1">
+            <a:schemeClr val="accent1"/>
+          </a:effectRef>
+          <a:fontRef idx="minor">
+            <a:schemeClr val="tx1"/>
+          </a:fontRef>
+        </p:style>
+      </p:cxnSp>
+      <p:sp>
+        <p:nvSpPr>
+          <p:cNvPr id="31" name="TextBox 30">
+            <a:extLst>
+              <a:ext uri="{FF2B5EF4-FFF2-40B4-BE49-F238E27FC236}">
+                <a16:creationId xmlns:a16="http://schemas.microsoft.com/office/drawing/2014/main" id="{692037DA-9DD0-6E3F-9916-7EB9ECEDCCD2}"/>
+              </a:ext>
+            </a:extLst>
+          </p:cNvPr>
+          <p:cNvSpPr txBox="1"/>
+          <p:nvPr/>
+        </p:nvSpPr>
+        <p:spPr>
+          <a:xfrm>
+            <a:off x="7706293" y="5325205"/>
+            <a:ext cx="2214947" cy="338554"/>
+          </a:xfrm>
+          <a:prstGeom prst="rect">
+            <a:avLst/>
+          </a:prstGeom>
+          <a:solidFill>
+            <a:schemeClr val="accent1">
+              <a:lumMod val="20000"/>
+              <a:lumOff val="80000"/>
+            </a:schemeClr>
+          </a:solidFill>
+          <a:ln w="28575">
+            <a:solidFill>
+              <a:srgbClr val="FF0000"/>
+            </a:solidFill>
+          </a:ln>
+        </p:spPr>
+        <p:txBody>
+          <a:bodyPr wrap="square" rtlCol="0">
+            <a:spAutoFit/>
+          </a:bodyPr>
+          <a:lstStyle/>
+          <a:p>
+            <a:pPr algn="ctr"/>
+            <a:r>
+              <a:rPr lang="en-GB" sz="1600" dirty="0"/>
+              <a:t>Calculating the integral</a:t>
+            </a:r>
+          </a:p>
+        </p:txBody>
+      </p:sp>
+      <p:pic>
+        <p:nvPicPr>
+          <p:cNvPr id="33" name="Picture 32">
+            <a:extLst>
+              <a:ext uri="{FF2B5EF4-FFF2-40B4-BE49-F238E27FC236}">
+                <a16:creationId xmlns:a16="http://schemas.microsoft.com/office/drawing/2014/main" id="{EB9C0DDD-681C-7E4E-E649-137697D46D20}"/>
+              </a:ext>
+            </a:extLst>
+          </p:cNvPr>
+          <p:cNvPicPr>
+            <a:picLocks noChangeAspect="1"/>
+          </p:cNvPicPr>
+          <p:nvPr/>
+        </p:nvPicPr>
+        <p:blipFill>
+          <a:blip r:embed="rId6"/>
+          <a:stretch>
+            <a:fillRect/>
+          </a:stretch>
+        </p:blipFill>
+        <p:spPr>
+          <a:xfrm>
+            <a:off x="6379528" y="1775915"/>
+            <a:ext cx="5563552" cy="1429489"/>
+          </a:xfrm>
+          <a:prstGeom prst="rect">
+            <a:avLst/>
+          </a:prstGeom>
+        </p:spPr>
+      </p:pic>
+      <p:sp>
+        <p:nvSpPr>
+          <p:cNvPr id="34" name="TextBox 33">
+            <a:extLst>
+              <a:ext uri="{FF2B5EF4-FFF2-40B4-BE49-F238E27FC236}">
+                <a16:creationId xmlns:a16="http://schemas.microsoft.com/office/drawing/2014/main" id="{8D8BE661-3FE3-9688-F90B-4595998FD6FC}"/>
+              </a:ext>
+            </a:extLst>
+          </p:cNvPr>
+          <p:cNvSpPr txBox="1"/>
+          <p:nvPr/>
+        </p:nvSpPr>
+        <p:spPr>
+          <a:xfrm>
+            <a:off x="9686988" y="3198167"/>
+            <a:ext cx="2162175" cy="461665"/>
+          </a:xfrm>
+          <a:prstGeom prst="rect">
+            <a:avLst/>
+          </a:prstGeom>
+          <a:solidFill>
+            <a:schemeClr val="bg1"/>
+          </a:solidFill>
+        </p:spPr>
+        <p:txBody>
+          <a:bodyPr wrap="square" rtlCol="0">
+            <a:spAutoFit/>
+          </a:bodyPr>
+          <a:lstStyle/>
+          <a:p>
+            <a:r>
+              <a:rPr lang="en-US" sz="1200" i="1" dirty="0"/>
+              <a:t>Source: Numerical Methods - Lecture Notes_part_1.pdf</a:t>
+            </a:r>
+            <a:endParaRPr lang="en-GB" sz="1200" i="1" dirty="0"/>
+          </a:p>
+        </p:txBody>
+      </p:sp>
+      <p:cxnSp>
+        <p:nvCxnSpPr>
+          <p:cNvPr id="35" name="Straight Arrow Connector 34">
+            <a:extLst>
+              <a:ext uri="{FF2B5EF4-FFF2-40B4-BE49-F238E27FC236}">
+                <a16:creationId xmlns:a16="http://schemas.microsoft.com/office/drawing/2014/main" id="{DF52C388-6801-9134-EB98-A27CD1188020}"/>
+              </a:ext>
+            </a:extLst>
+          </p:cNvPr>
+          <p:cNvCxnSpPr>
+            <a:cxnSpLocks/>
+          </p:cNvCxnSpPr>
+          <p:nvPr/>
+        </p:nvCxnSpPr>
+        <p:spPr>
+          <a:xfrm flipV="1">
+            <a:off x="3086551" y="6012027"/>
+            <a:ext cx="3403466" cy="34897"/>
+          </a:xfrm>
+          <a:prstGeom prst="straightConnector1">
+            <a:avLst/>
+          </a:prstGeom>
+          <a:ln w="28575">
+            <a:solidFill>
+              <a:srgbClr val="FF0000"/>
+            </a:solidFill>
+            <a:tailEnd type="triangle"/>
+          </a:ln>
+        </p:spPr>
+        <p:style>
+          <a:lnRef idx="2">
+            <a:schemeClr val="accent1"/>
+          </a:lnRef>
+          <a:fillRef idx="0">
+            <a:schemeClr val="accent1"/>
+          </a:fillRef>
+          <a:effectRef idx="1">
+            <a:schemeClr val="accent1"/>
+          </a:effectRef>
+          <a:fontRef idx="minor">
+            <a:schemeClr val="tx1"/>
+          </a:fontRef>
+        </p:style>
+      </p:cxnSp>
+      <p:sp>
+        <p:nvSpPr>
+          <p:cNvPr id="36" name="TextBox 35">
+            <a:extLst>
+              <a:ext uri="{FF2B5EF4-FFF2-40B4-BE49-F238E27FC236}">
+                <a16:creationId xmlns:a16="http://schemas.microsoft.com/office/drawing/2014/main" id="{06CD5C02-B0E5-6A56-DE95-C27D8082B8CE}"/>
+              </a:ext>
+            </a:extLst>
+          </p:cNvPr>
+          <p:cNvSpPr txBox="1"/>
+          <p:nvPr/>
+        </p:nvSpPr>
+        <p:spPr>
+          <a:xfrm>
+            <a:off x="6490018" y="5842750"/>
+            <a:ext cx="3403466" cy="338554"/>
+          </a:xfrm>
+          <a:prstGeom prst="rect">
+            <a:avLst/>
+          </a:prstGeom>
+          <a:solidFill>
+            <a:schemeClr val="accent1">
+              <a:lumMod val="20000"/>
+              <a:lumOff val="80000"/>
+            </a:schemeClr>
+          </a:solidFill>
+          <a:ln w="28575">
+            <a:solidFill>
+              <a:srgbClr val="FF0000"/>
+            </a:solidFill>
+          </a:ln>
+        </p:spPr>
+        <p:txBody>
+          <a:bodyPr wrap="square" rtlCol="0">
+            <a:spAutoFit/>
+          </a:bodyPr>
+          <a:lstStyle/>
+          <a:p>
+            <a:pPr algn="ctr"/>
+            <a:r>
+              <a:rPr lang="en-GB" sz="1600" dirty="0"/>
+              <a:t>Great Limit to Show Convergence </a:t>
+            </a:r>
           </a:p>
         </p:txBody>
       </p:sp>
@@ -5340,7 +6105,7 @@
         <p:cNvPr id="1" name="">
           <a:extLst>
             <a:ext uri="{FF2B5EF4-FFF2-40B4-BE49-F238E27FC236}">
-              <a16:creationId xmlns:a16="http://schemas.microsoft.com/office/drawing/2014/main" id="{B3308286-A82F-A7BA-2566-AAF73D59A055}"/>
+              <a16:creationId xmlns:a16="http://schemas.microsoft.com/office/drawing/2014/main" id="{44DC73E9-F791-6EBD-232D-9AA8B6915E8E}"/>
             </a:ext>
           </a:extLst>
         </p:cNvPr>
@@ -5360,7 +6125,7 @@
           <p:cNvPr id="5" name="Group 4">
             <a:extLst>
               <a:ext uri="{FF2B5EF4-FFF2-40B4-BE49-F238E27FC236}">
-                <a16:creationId xmlns:a16="http://schemas.microsoft.com/office/drawing/2014/main" id="{C78056C9-0E1C-BE15-75B4-2E173BBA8546}"/>
+                <a16:creationId xmlns:a16="http://schemas.microsoft.com/office/drawing/2014/main" id="{3237CF52-C76A-E311-6677-5064FD3EE4E8}"/>
               </a:ext>
             </a:extLst>
           </p:cNvPr>
@@ -5380,7 +6145,7 @@
             <p:cNvPr id="1026" name="Picture 2" descr="TU Dresden - Quantum Internet Alliance">
               <a:extLst>
                 <a:ext uri="{FF2B5EF4-FFF2-40B4-BE49-F238E27FC236}">
-                  <a16:creationId xmlns:a16="http://schemas.microsoft.com/office/drawing/2014/main" id="{3D3E0EC9-1DC2-60DE-D56A-7968A27253F6}"/>
+                  <a16:creationId xmlns:a16="http://schemas.microsoft.com/office/drawing/2014/main" id="{A0E73214-B5B5-D5A9-DC60-D8A2BABBBEBF}"/>
                 </a:ext>
               </a:extLst>
             </p:cNvPr>
@@ -5425,7 +6190,7 @@
             <p:cNvPr id="1028" name="Picture 4" descr="logo DRESDEN-concept - Helmholtz-Zentrum Dresden-Rossendorf, HZDR">
               <a:extLst>
                 <a:ext uri="{FF2B5EF4-FFF2-40B4-BE49-F238E27FC236}">
-                  <a16:creationId xmlns:a16="http://schemas.microsoft.com/office/drawing/2014/main" id="{5BF229B8-3CEA-6931-7F5B-F4569750EA2A}"/>
+                  <a16:creationId xmlns:a16="http://schemas.microsoft.com/office/drawing/2014/main" id="{1312B594-9C55-04EF-8801-B481AE8D71D0}"/>
                 </a:ext>
               </a:extLst>
             </p:cNvPr>
@@ -5472,7 +6237,7 @@
             <p:cNvPr id="4" name="Rectangle 3">
               <a:extLst>
                 <a:ext uri="{FF2B5EF4-FFF2-40B4-BE49-F238E27FC236}">
-                  <a16:creationId xmlns:a16="http://schemas.microsoft.com/office/drawing/2014/main" id="{C7A198F0-1E46-544E-0984-6DCEC460ED5A}"/>
+                  <a16:creationId xmlns:a16="http://schemas.microsoft.com/office/drawing/2014/main" id="{2F2AE060-DA06-008F-B702-54DAF2BCC081}"/>
                 </a:ext>
               </a:extLst>
             </p:cNvPr>
@@ -5525,7 +6290,7 @@
           <p:cNvPr id="1030" name="Picture 6" descr="Няма налично описание на снимката.">
             <a:extLst>
               <a:ext uri="{FF2B5EF4-FFF2-40B4-BE49-F238E27FC236}">
-                <a16:creationId xmlns:a16="http://schemas.microsoft.com/office/drawing/2014/main" id="{D2892555-9873-6FCF-B0E1-620C32F89251}"/>
+                <a16:creationId xmlns:a16="http://schemas.microsoft.com/office/drawing/2014/main" id="{FA456FD7-048F-7894-D224-90D2DD7F42D2}"/>
               </a:ext>
             </a:extLst>
           </p:cNvPr>
@@ -5572,7 +6337,7 @@
           <p:cNvPr id="9" name="TextBox 8">
             <a:extLst>
               <a:ext uri="{FF2B5EF4-FFF2-40B4-BE49-F238E27FC236}">
-                <a16:creationId xmlns:a16="http://schemas.microsoft.com/office/drawing/2014/main" id="{E38B46F5-440C-0921-80F1-32BD45BAF20C}"/>
+                <a16:creationId xmlns:a16="http://schemas.microsoft.com/office/drawing/2014/main" id="{DB9436E7-1A5E-0B72-83AB-15B4785DF810}"/>
               </a:ext>
             </a:extLst>
           </p:cNvPr>
@@ -5613,7 +6378,7 @@
           <p:cNvPr id="6" name="TextBox 5">
             <a:extLst>
               <a:ext uri="{FF2B5EF4-FFF2-40B4-BE49-F238E27FC236}">
-                <a16:creationId xmlns:a16="http://schemas.microsoft.com/office/drawing/2014/main" id="{F52D09A6-867C-111B-6533-C4E636E24CB9}"/>
+                <a16:creationId xmlns:a16="http://schemas.microsoft.com/office/drawing/2014/main" id="{240D295A-6372-B25C-8A0A-D1EAF1C16895}"/>
               </a:ext>
             </a:extLst>
           </p:cNvPr>
@@ -5657,10 +6422,10 @@
       </p:sp>
       <p:pic>
         <p:nvPicPr>
-          <p:cNvPr id="10" name="Picture 9">
-            <a:extLst>
-              <a:ext uri="{FF2B5EF4-FFF2-40B4-BE49-F238E27FC236}">
-                <a16:creationId xmlns:a16="http://schemas.microsoft.com/office/drawing/2014/main" id="{BDE2D643-6E36-EC83-51CB-C1061064733C}"/>
+          <p:cNvPr id="3" name="Picture 2">
+            <a:extLst>
+              <a:ext uri="{FF2B5EF4-FFF2-40B4-BE49-F238E27FC236}">
+                <a16:creationId xmlns:a16="http://schemas.microsoft.com/office/drawing/2014/main" id="{7D8D58FB-6E8A-E1F6-F56E-8C5B044677B9}"/>
               </a:ext>
             </a:extLst>
           </p:cNvPr>
@@ -5677,8 +6442,8 @@
         </p:blipFill>
         <p:spPr>
           <a:xfrm>
-            <a:off x="5740455" y="2520715"/>
-            <a:ext cx="3595637" cy="4136197"/>
+            <a:off x="191643" y="2115807"/>
+            <a:ext cx="3810330" cy="472481"/>
           </a:xfrm>
           <a:prstGeom prst="rect">
             <a:avLst/>
@@ -5687,10 +6452,10 @@
       </p:pic>
       <p:pic>
         <p:nvPicPr>
-          <p:cNvPr id="12" name="Picture 11">
-            <a:extLst>
-              <a:ext uri="{FF2B5EF4-FFF2-40B4-BE49-F238E27FC236}">
-                <a16:creationId xmlns:a16="http://schemas.microsoft.com/office/drawing/2014/main" id="{5FFCE00E-9626-B854-4729-8FE5517A7835}"/>
+          <p:cNvPr id="8" name="Picture 7">
+            <a:extLst>
+              <a:ext uri="{FF2B5EF4-FFF2-40B4-BE49-F238E27FC236}">
+                <a16:creationId xmlns:a16="http://schemas.microsoft.com/office/drawing/2014/main" id="{6FBB2FEB-2CD7-8286-ED4A-EB5731910A45}"/>
               </a:ext>
             </a:extLst>
           </p:cNvPr>
@@ -5701,40 +6466,127 @@
         </p:nvPicPr>
         <p:blipFill>
           <a:blip r:embed="rId6"/>
-          <a:stretch>
-            <a:fillRect/>
-          </a:stretch>
+          <a:srcRect r="43311" b="-8771"/>
+          <a:stretch/>
         </p:blipFill>
         <p:spPr>
           <a:xfrm>
-            <a:off x="402662" y="2938998"/>
-            <a:ext cx="3146483" cy="1202769"/>
+            <a:off x="8086354" y="2186243"/>
+            <a:ext cx="3810330" cy="472481"/>
           </a:xfrm>
           <a:prstGeom prst="rect">
             <a:avLst/>
           </a:prstGeom>
         </p:spPr>
       </p:pic>
+      <p:sp>
+        <p:nvSpPr>
+          <p:cNvPr id="12" name="TextBox 11">
+            <a:extLst>
+              <a:ext uri="{FF2B5EF4-FFF2-40B4-BE49-F238E27FC236}">
+                <a16:creationId xmlns:a16="http://schemas.microsoft.com/office/drawing/2014/main" id="{DB820632-773B-4E83-4AF5-C5334C159DB1}"/>
+              </a:ext>
+            </a:extLst>
+          </p:cNvPr>
+          <p:cNvSpPr txBox="1"/>
+          <p:nvPr/>
+        </p:nvSpPr>
+        <p:spPr>
+          <a:xfrm>
+            <a:off x="1184021" y="1744190"/>
+            <a:ext cx="1838528" cy="369332"/>
+          </a:xfrm>
+          <a:prstGeom prst="rect">
+            <a:avLst/>
+          </a:prstGeom>
+          <a:noFill/>
+        </p:spPr>
+        <p:txBody>
+          <a:bodyPr wrap="square" rtlCol="0">
+            <a:spAutoFit/>
+          </a:bodyPr>
+          <a:lstStyle/>
+          <a:p>
+            <a:r>
+              <a:rPr lang="en-US" dirty="0">
+                <a:solidFill>
+                  <a:schemeClr val="bg1"/>
+                </a:solidFill>
+              </a:rPr>
+              <a:t>Monte_carlo.f90</a:t>
+            </a:r>
+            <a:endParaRPr lang="en-GB" dirty="0">
+              <a:solidFill>
+                <a:schemeClr val="bg1"/>
+              </a:solidFill>
+            </a:endParaRPr>
+          </a:p>
+        </p:txBody>
+      </p:sp>
+      <p:sp>
+        <p:nvSpPr>
+          <p:cNvPr id="13" name="TextBox 12">
+            <a:extLst>
+              <a:ext uri="{FF2B5EF4-FFF2-40B4-BE49-F238E27FC236}">
+                <a16:creationId xmlns:a16="http://schemas.microsoft.com/office/drawing/2014/main" id="{7D50EA63-59EF-B9FA-0644-B8E0F91A8A5A}"/>
+              </a:ext>
+            </a:extLst>
+          </p:cNvPr>
+          <p:cNvSpPr txBox="1"/>
+          <p:nvPr/>
+        </p:nvSpPr>
+        <p:spPr>
+          <a:xfrm>
+            <a:off x="9253231" y="1800338"/>
+            <a:ext cx="1838528" cy="369332"/>
+          </a:xfrm>
+          <a:prstGeom prst="rect">
+            <a:avLst/>
+          </a:prstGeom>
+          <a:noFill/>
+        </p:spPr>
+        <p:txBody>
+          <a:bodyPr wrap="square" rtlCol="0">
+            <a:spAutoFit/>
+          </a:bodyPr>
+          <a:lstStyle/>
+          <a:p>
+            <a:r>
+              <a:rPr lang="en-US" dirty="0">
+                <a:solidFill>
+                  <a:schemeClr val="bg1"/>
+                </a:solidFill>
+              </a:rPr>
+              <a:t>Monte_carlo.f90</a:t>
+            </a:r>
+            <a:endParaRPr lang="en-GB" dirty="0">
+              <a:solidFill>
+                <a:schemeClr val="bg1"/>
+              </a:solidFill>
+            </a:endParaRPr>
+          </a:p>
+        </p:txBody>
+      </p:sp>
       <p:cxnSp>
         <p:nvCxnSpPr>
-          <p:cNvPr id="19" name="Straight Arrow Connector 18">
-            <a:extLst>
-              <a:ext uri="{FF2B5EF4-FFF2-40B4-BE49-F238E27FC236}">
-                <a16:creationId xmlns:a16="http://schemas.microsoft.com/office/drawing/2014/main" id="{3A07CD22-BA6F-2E9B-29ED-DE7DB8C69A57}"/>
+          <p:cNvPr id="14" name="Straight Arrow Connector 13">
+            <a:extLst>
+              <a:ext uri="{FF2B5EF4-FFF2-40B4-BE49-F238E27FC236}">
+                <a16:creationId xmlns:a16="http://schemas.microsoft.com/office/drawing/2014/main" id="{51E12E15-49D8-A9B3-9BEE-B01FF2AD24E6}"/>
               </a:ext>
             </a:extLst>
           </p:cNvPr>
           <p:cNvCxnSpPr>
             <a:cxnSpLocks/>
-            <a:stCxn id="12" idx="3"/>
-            <a:endCxn id="23" idx="1"/>
+            <a:stCxn id="3" idx="3"/>
+            <a:endCxn id="16" idx="0"/>
           </p:cNvCxnSpPr>
           <p:nvPr/>
         </p:nvCxnSpPr>
         <p:spPr>
           <a:xfrm>
-            <a:off x="3549145" y="3540383"/>
-            <a:ext cx="339505" cy="662491"/>
+            <a:off x="4001973" y="2352048"/>
+            <a:ext cx="2094027" cy="207788"/>
           </a:xfrm>
           <a:prstGeom prst="straightConnector1">
             <a:avLst/>
@@ -5763,24 +6615,24 @@
       </p:cxnSp>
       <p:cxnSp>
         <p:nvCxnSpPr>
-          <p:cNvPr id="20" name="Straight Arrow Connector 19">
-            <a:extLst>
-              <a:ext uri="{FF2B5EF4-FFF2-40B4-BE49-F238E27FC236}">
-                <a16:creationId xmlns:a16="http://schemas.microsoft.com/office/drawing/2014/main" id="{8979864D-C5B1-F35D-9A2F-36F950AB5F50}"/>
+          <p:cNvPr id="15" name="Straight Arrow Connector 14">
+            <a:extLst>
+              <a:ext uri="{FF2B5EF4-FFF2-40B4-BE49-F238E27FC236}">
+                <a16:creationId xmlns:a16="http://schemas.microsoft.com/office/drawing/2014/main" id="{46667DA9-11EB-28C2-B41E-4985006C0E9A}"/>
               </a:ext>
             </a:extLst>
           </p:cNvPr>
           <p:cNvCxnSpPr>
             <a:cxnSpLocks/>
-            <a:stCxn id="18" idx="3"/>
-            <a:endCxn id="23" idx="1"/>
+            <a:stCxn id="8" idx="1"/>
+            <a:endCxn id="16" idx="0"/>
           </p:cNvCxnSpPr>
           <p:nvPr/>
         </p:nvCxnSpPr>
         <p:spPr>
-          <a:xfrm flipV="1">
-            <a:off x="3549145" y="4202874"/>
-            <a:ext cx="339505" cy="1485693"/>
+          <a:xfrm flipH="1">
+            <a:off x="6096000" y="2422484"/>
+            <a:ext cx="1990354" cy="137352"/>
           </a:xfrm>
           <a:prstGeom prst="straightConnector1">
             <a:avLst/>
@@ -5809,10 +6661,10 @@
       </p:cxnSp>
       <p:sp>
         <p:nvSpPr>
-          <p:cNvPr id="23" name="TextBox 22">
-            <a:extLst>
-              <a:ext uri="{FF2B5EF4-FFF2-40B4-BE49-F238E27FC236}">
-                <a16:creationId xmlns:a16="http://schemas.microsoft.com/office/drawing/2014/main" id="{2CFA0CF5-AA37-F657-0532-43FA4B7B3EF8}"/>
+          <p:cNvPr id="16" name="TextBox 15">
+            <a:extLst>
+              <a:ext uri="{FF2B5EF4-FFF2-40B4-BE49-F238E27FC236}">
+                <a16:creationId xmlns:a16="http://schemas.microsoft.com/office/drawing/2014/main" id="{68B1CC7A-17FE-1739-1ADA-999FFCED128D}"/>
               </a:ext>
             </a:extLst>
           </p:cNvPr>
@@ -5821,8 +6673,8 @@
         </p:nvSpPr>
         <p:spPr>
           <a:xfrm>
-            <a:off x="3888650" y="3771987"/>
-            <a:ext cx="1481018" cy="861774"/>
+            <a:off x="4902134" y="2559836"/>
+            <a:ext cx="2387732" cy="830997"/>
           </a:xfrm>
           <a:prstGeom prst="rect">
             <a:avLst/>
@@ -5858,7 +6710,7 @@
             </a:pPr>
             <a:r>
               <a:rPr lang="en-GB" sz="1600" dirty="0"/>
-              <a:t>data_f_r.txt</a:t>
+              <a:t>convergence.txt</a:t>
             </a:r>
           </a:p>
           <a:p>
@@ -5868,30 +6720,30 @@
             </a:pPr>
             <a:r>
               <a:rPr lang="en-GB" sz="1600" dirty="0"/>
-              <a:t>data_f_s.txt</a:t>
+              <a:t>reference.txt</a:t>
             </a:r>
           </a:p>
         </p:txBody>
       </p:sp>
       <p:cxnSp>
         <p:nvCxnSpPr>
-          <p:cNvPr id="26" name="Straight Arrow Connector 25">
-            <a:extLst>
-              <a:ext uri="{FF2B5EF4-FFF2-40B4-BE49-F238E27FC236}">
-                <a16:creationId xmlns:a16="http://schemas.microsoft.com/office/drawing/2014/main" id="{48B47EBB-A32D-3F36-D5D3-49AAF0BB7F4A}"/>
+          <p:cNvPr id="17" name="Straight Arrow Connector 16">
+            <a:extLst>
+              <a:ext uri="{FF2B5EF4-FFF2-40B4-BE49-F238E27FC236}">
+                <a16:creationId xmlns:a16="http://schemas.microsoft.com/office/drawing/2014/main" id="{091F49F7-7FB3-AD21-9901-B5CAFAAEBF7E}"/>
               </a:ext>
             </a:extLst>
           </p:cNvPr>
           <p:cNvCxnSpPr>
             <a:cxnSpLocks/>
-            <a:stCxn id="23" idx="3"/>
+            <a:stCxn id="16" idx="2"/>
           </p:cNvCxnSpPr>
           <p:nvPr/>
         </p:nvCxnSpPr>
         <p:spPr>
           <a:xfrm>
-            <a:off x="5369668" y="4202874"/>
-            <a:ext cx="370787" cy="0"/>
+            <a:off x="6096000" y="3390833"/>
+            <a:ext cx="0" cy="209446"/>
           </a:xfrm>
           <a:prstGeom prst="straightConnector1">
             <a:avLst/>
@@ -5920,10 +6772,10 @@
       </p:cxnSp>
       <p:sp>
         <p:nvSpPr>
-          <p:cNvPr id="49" name="TextBox 48">
-            <a:extLst>
-              <a:ext uri="{FF2B5EF4-FFF2-40B4-BE49-F238E27FC236}">
-                <a16:creationId xmlns:a16="http://schemas.microsoft.com/office/drawing/2014/main" id="{FAE8624F-89F9-2C0B-EC26-D9D4041CE744}"/>
+          <p:cNvPr id="54" name="TextBox 53">
+            <a:extLst>
+              <a:ext uri="{FF2B5EF4-FFF2-40B4-BE49-F238E27FC236}">
+                <a16:creationId xmlns:a16="http://schemas.microsoft.com/office/drawing/2014/main" id="{8E48A8E1-CD09-D02F-0CEB-78CF0F4D1DB2}"/>
               </a:ext>
             </a:extLst>
           </p:cNvPr>
@@ -5932,8 +6784,8 @@
         </p:nvSpPr>
         <p:spPr>
           <a:xfrm>
-            <a:off x="7782128" y="2151383"/>
-            <a:ext cx="1077248" cy="369332"/>
+            <a:off x="8483732" y="3210113"/>
+            <a:ext cx="1058148" cy="369332"/>
           </a:xfrm>
           <a:prstGeom prst="rect">
             <a:avLst/>
@@ -5964,10 +6816,10 @@
       </p:sp>
       <p:sp>
         <p:nvSpPr>
-          <p:cNvPr id="50" name="TextBox 49">
-            <a:extLst>
-              <a:ext uri="{FF2B5EF4-FFF2-40B4-BE49-F238E27FC236}">
-                <a16:creationId xmlns:a16="http://schemas.microsoft.com/office/drawing/2014/main" id="{9800C9BB-97DE-A875-F0C9-7A8921BA9257}"/>
+          <p:cNvPr id="55" name="TextBox 54">
+            <a:extLst>
+              <a:ext uri="{FF2B5EF4-FFF2-40B4-BE49-F238E27FC236}">
+                <a16:creationId xmlns:a16="http://schemas.microsoft.com/office/drawing/2014/main" id="{3A3A74A0-ED06-8E01-E75D-942E142FE724}"/>
               </a:ext>
             </a:extLst>
           </p:cNvPr>
@@ -5976,13 +6828,23 @@
         </p:nvSpPr>
         <p:spPr>
           <a:xfrm>
-            <a:off x="402662" y="2548521"/>
-            <a:ext cx="3146483" cy="369332"/>
+            <a:off x="5435842" y="6141548"/>
+            <a:ext cx="1481018" cy="584775"/>
           </a:xfrm>
           <a:prstGeom prst="rect">
             <a:avLst/>
           </a:prstGeom>
-          <a:noFill/>
+          <a:solidFill>
+            <a:schemeClr val="accent1">
+              <a:lumMod val="20000"/>
+              <a:lumOff val="80000"/>
+            </a:schemeClr>
+          </a:solidFill>
+          <a:ln w="28575">
+            <a:solidFill>
+              <a:srgbClr val="FF0000"/>
+            </a:solidFill>
+          </a:ln>
         </p:spPr>
         <p:txBody>
           <a:bodyPr wrap="square" rtlCol="0">
@@ -5992,75 +6854,38 @@
           <a:p>
             <a:pPr algn="ctr"/>
             <a:r>
-              <a:rPr lang="en-GB" sz="1800" dirty="0">
-                <a:solidFill>
-                  <a:schemeClr val="bg1"/>
-                </a:solidFill>
-                <a:latin typeface="+mj-lt"/>
-              </a:rPr>
-              <a:t>Sub_newton_inter.f90</a:t>
-            </a:r>
-          </a:p>
-        </p:txBody>
-      </p:sp>
-      <p:sp>
-        <p:nvSpPr>
-          <p:cNvPr id="51" name="TextBox 50">
-            <a:extLst>
-              <a:ext uri="{FF2B5EF4-FFF2-40B4-BE49-F238E27FC236}">
-                <a16:creationId xmlns:a16="http://schemas.microsoft.com/office/drawing/2014/main" id="{D623586F-3A6D-C0C8-88CD-385272488BB8}"/>
-              </a:ext>
-            </a:extLst>
-          </p:cNvPr>
-          <p:cNvSpPr txBox="1"/>
-          <p:nvPr/>
-        </p:nvSpPr>
-        <p:spPr>
-          <a:xfrm>
-            <a:off x="371379" y="4320895"/>
-            <a:ext cx="3146483" cy="369332"/>
-          </a:xfrm>
-          <a:prstGeom prst="rect">
-            <a:avLst/>
-          </a:prstGeom>
-          <a:noFill/>
-        </p:spPr>
-        <p:txBody>
-          <a:bodyPr wrap="square" rtlCol="0">
-            <a:spAutoFit/>
-          </a:bodyPr>
-          <a:lstStyle/>
+              <a:rPr lang="en-GB" sz="1600" dirty="0"/>
+              <a:t>Output</a:t>
+            </a:r>
+          </a:p>
           <a:p>
             <a:pPr algn="ctr"/>
             <a:r>
-              <a:rPr lang="en-GB" sz="1800" dirty="0">
-                <a:solidFill>
-                  <a:schemeClr val="bg1"/>
-                </a:solidFill>
-              </a:rPr>
-              <a:t>Sub_cubic_spline.f90</a:t>
+              <a:rPr lang="en-GB" sz="1600" dirty="0"/>
+              <a:t>plot_02.png</a:t>
             </a:r>
           </a:p>
         </p:txBody>
       </p:sp>
       <p:cxnSp>
         <p:nvCxnSpPr>
-          <p:cNvPr id="62" name="Straight Arrow Connector 61">
-            <a:extLst>
-              <a:ext uri="{FF2B5EF4-FFF2-40B4-BE49-F238E27FC236}">
-                <a16:creationId xmlns:a16="http://schemas.microsoft.com/office/drawing/2014/main" id="{5D02532D-73A9-9E4D-6717-C54CA8F91EB0}"/>
+          <p:cNvPr id="56" name="Straight Arrow Connector 55">
+            <a:extLst>
+              <a:ext uri="{FF2B5EF4-FFF2-40B4-BE49-F238E27FC236}">
+                <a16:creationId xmlns:a16="http://schemas.microsoft.com/office/drawing/2014/main" id="{B6CADED4-8024-A4A8-2B3D-3104A19BD855}"/>
               </a:ext>
             </a:extLst>
           </p:cNvPr>
           <p:cNvCxnSpPr>
             <a:cxnSpLocks/>
+            <a:endCxn id="55" idx="0"/>
           </p:cNvCxnSpPr>
           <p:nvPr/>
         </p:nvCxnSpPr>
         <p:spPr>
           <a:xfrm>
-            <a:off x="9336092" y="4941837"/>
-            <a:ext cx="370787" cy="0"/>
+            <a:off x="6176351" y="5700409"/>
+            <a:ext cx="0" cy="441139"/>
           </a:xfrm>
           <a:prstGeom prst="straightConnector1">
             <a:avLst/>
@@ -6087,65 +6912,12 @@
           </a:fontRef>
         </p:style>
       </p:cxnSp>
-      <p:sp>
-        <p:nvSpPr>
-          <p:cNvPr id="63" name="TextBox 62">
-            <a:extLst>
-              <a:ext uri="{FF2B5EF4-FFF2-40B4-BE49-F238E27FC236}">
-                <a16:creationId xmlns:a16="http://schemas.microsoft.com/office/drawing/2014/main" id="{785ECB3F-585F-D2A2-BC41-BBFC49B39D03}"/>
-              </a:ext>
-            </a:extLst>
-          </p:cNvPr>
-          <p:cNvSpPr txBox="1"/>
-          <p:nvPr/>
-        </p:nvSpPr>
-        <p:spPr>
-          <a:xfrm>
-            <a:off x="9706879" y="4633761"/>
-            <a:ext cx="1481018" cy="584775"/>
-          </a:xfrm>
-          <a:prstGeom prst="rect">
-            <a:avLst/>
-          </a:prstGeom>
-          <a:solidFill>
-            <a:schemeClr val="accent1">
-              <a:lumMod val="20000"/>
-              <a:lumOff val="80000"/>
-            </a:schemeClr>
-          </a:solidFill>
-          <a:ln w="28575">
-            <a:solidFill>
-              <a:srgbClr val="FF0000"/>
-            </a:solidFill>
-          </a:ln>
-        </p:spPr>
-        <p:txBody>
-          <a:bodyPr wrap="square" rtlCol="0">
-            <a:spAutoFit/>
-          </a:bodyPr>
-          <a:lstStyle/>
-          <a:p>
-            <a:pPr algn="ctr"/>
-            <a:r>
-              <a:rPr lang="en-GB" sz="1600" dirty="0"/>
-              <a:t>Output</a:t>
-            </a:r>
-          </a:p>
-          <a:p>
-            <a:pPr algn="ctr"/>
-            <a:r>
-              <a:rPr lang="en-GB" sz="1600" dirty="0"/>
-              <a:t>plot_01.jpg</a:t>
-            </a:r>
-          </a:p>
-        </p:txBody>
-      </p:sp>
       <p:pic>
         <p:nvPicPr>
-          <p:cNvPr id="3" name="Picture 2">
-            <a:extLst>
-              <a:ext uri="{FF2B5EF4-FFF2-40B4-BE49-F238E27FC236}">
-                <a16:creationId xmlns:a16="http://schemas.microsoft.com/office/drawing/2014/main" id="{7BB5B87F-CEDF-F803-5146-0AA41041D9C2}"/>
+          <p:cNvPr id="7" name="Picture 6">
+            <a:extLst>
+              <a:ext uri="{FF2B5EF4-FFF2-40B4-BE49-F238E27FC236}">
+                <a16:creationId xmlns:a16="http://schemas.microsoft.com/office/drawing/2014/main" id="{1FCF71A1-0B0F-BC5A-5FB2-A82EFFCE39F5}"/>
               </a:ext>
             </a:extLst>
           </p:cNvPr>
@@ -6162,20 +6934,278 @@
         </p:blipFill>
         <p:spPr>
           <a:xfrm>
-            <a:off x="809942" y="1577223"/>
-            <a:ext cx="2331922" cy="441998"/>
+            <a:off x="1539179" y="3559727"/>
+            <a:ext cx="9113642" cy="2215597"/>
           </a:xfrm>
           <a:prstGeom prst="rect">
             <a:avLst/>
           </a:prstGeom>
         </p:spPr>
       </p:pic>
+    </p:spTree>
+    <p:extLst>
+      <p:ext uri="{BB962C8B-B14F-4D97-AF65-F5344CB8AC3E}">
+        <p14:creationId xmlns:p14="http://schemas.microsoft.com/office/powerpoint/2010/main" val="1296008757"/>
+      </p:ext>
+    </p:extLst>
+  </p:cSld>
+  <p:clrMapOvr>
+    <a:masterClrMapping/>
+  </p:clrMapOvr>
+</p:sld>
+</file>
+
+<file path=ppt/slides/slide14.xml><?xml version="1.0" encoding="utf-8"?>
+<p:sld xmlns:a="http://schemas.openxmlformats.org/drawingml/2006/main" xmlns:r="http://schemas.openxmlformats.org/officeDocument/2006/relationships" xmlns:p="http://schemas.openxmlformats.org/presentationml/2006/main">
+  <p:cSld>
+    <p:bg>
+      <p:bgPr>
+        <a:solidFill>
+          <a:schemeClr val="accent1">
+            <a:lumMod val="75000"/>
+          </a:schemeClr>
+        </a:solidFill>
+        <a:effectLst/>
+      </p:bgPr>
+    </p:bg>
+    <p:spTree>
+      <p:nvGrpSpPr>
+        <p:cNvPr id="1" name="">
+          <a:extLst>
+            <a:ext uri="{FF2B5EF4-FFF2-40B4-BE49-F238E27FC236}">
+              <a16:creationId xmlns:a16="http://schemas.microsoft.com/office/drawing/2014/main" id="{922508FC-A51E-CF89-B236-35F3FC8A3CF4}"/>
+            </a:ext>
+          </a:extLst>
+        </p:cNvPr>
+        <p:cNvGrpSpPr/>
+        <p:nvPr/>
+      </p:nvGrpSpPr>
+      <p:grpSpPr>
+        <a:xfrm>
+          <a:off x="0" y="0"/>
+          <a:ext cx="0" cy="0"/>
+          <a:chOff x="0" y="0"/>
+          <a:chExt cx="0" cy="0"/>
+        </a:xfrm>
+      </p:grpSpPr>
+      <p:grpSp>
+        <p:nvGrpSpPr>
+          <p:cNvPr id="5" name="Group 4">
+            <a:extLst>
+              <a:ext uri="{FF2B5EF4-FFF2-40B4-BE49-F238E27FC236}">
+                <a16:creationId xmlns:a16="http://schemas.microsoft.com/office/drawing/2014/main" id="{F7AA749E-CD83-1E8F-7554-9CE81F1FF8A4}"/>
+              </a:ext>
+            </a:extLst>
+          </p:cNvPr>
+          <p:cNvGrpSpPr/>
+          <p:nvPr/>
+        </p:nvGrpSpPr>
+        <p:grpSpPr>
+          <a:xfrm>
+            <a:off x="-6096" y="-4056"/>
+            <a:ext cx="12198096" cy="819865"/>
+            <a:chOff x="-6096" y="-4056"/>
+            <a:chExt cx="12198096" cy="819865"/>
+          </a:xfrm>
+        </p:grpSpPr>
+        <p:pic>
+          <p:nvPicPr>
+            <p:cNvPr id="1026" name="Picture 2" descr="TU Dresden - Quantum Internet Alliance">
+              <a:extLst>
+                <a:ext uri="{FF2B5EF4-FFF2-40B4-BE49-F238E27FC236}">
+                  <a16:creationId xmlns:a16="http://schemas.microsoft.com/office/drawing/2014/main" id="{509D0E5B-4D24-712C-D542-91D169A0BECE}"/>
+                </a:ext>
+              </a:extLst>
+            </p:cNvPr>
+            <p:cNvPicPr>
+              <a:picLocks noChangeAspect="1" noChangeArrowheads="1"/>
+            </p:cNvPicPr>
+            <p:nvPr/>
+          </p:nvPicPr>
+          <p:blipFill rotWithShape="1">
+            <a:blip r:embed="rId2">
+              <a:extLst>
+                <a:ext uri="{28A0092B-C50C-407E-A947-70E740481C1C}">
+                  <a14:useLocalDpi xmlns:a14="http://schemas.microsoft.com/office/drawing/2010/main" val="0"/>
+                </a:ext>
+              </a:extLst>
+            </a:blip>
+            <a:srcRect t="23012" b="21760"/>
+            <a:stretch/>
+          </p:blipFill>
+          <p:spPr bwMode="auto">
+            <a:xfrm>
+              <a:off x="-6096" y="-4056"/>
+              <a:ext cx="2367280" cy="817124"/>
+            </a:xfrm>
+            <a:prstGeom prst="rect">
+              <a:avLst/>
+            </a:prstGeom>
+            <a:noFill/>
+            <a:extLst>
+              <a:ext uri="{909E8E84-426E-40DD-AFC4-6F175D3DCCD1}">
+                <a14:hiddenFill xmlns:a14="http://schemas.microsoft.com/office/drawing/2010/main">
+                  <a:solidFill>
+                    <a:srgbClr val="FFFFFF"/>
+                  </a:solidFill>
+                </a14:hiddenFill>
+              </a:ext>
+            </a:extLst>
+          </p:spPr>
+        </p:pic>
+        <p:pic>
+          <p:nvPicPr>
+            <p:cNvPr id="1028" name="Picture 4" descr="logo DRESDEN-concept - Helmholtz-Zentrum Dresden-Rossendorf, HZDR">
+              <a:extLst>
+                <a:ext uri="{FF2B5EF4-FFF2-40B4-BE49-F238E27FC236}">
+                  <a16:creationId xmlns:a16="http://schemas.microsoft.com/office/drawing/2014/main" id="{B63CD983-79CC-EA27-CEF6-016403706971}"/>
+                </a:ext>
+              </a:extLst>
+            </p:cNvPr>
+            <p:cNvPicPr>
+              <a:picLocks noChangeAspect="1" noChangeArrowheads="1"/>
+            </p:cNvPicPr>
+            <p:nvPr/>
+          </p:nvPicPr>
+          <p:blipFill>
+            <a:blip r:embed="rId3">
+              <a:extLst>
+                <a:ext uri="{28A0092B-C50C-407E-A947-70E740481C1C}">
+                  <a14:useLocalDpi xmlns:a14="http://schemas.microsoft.com/office/drawing/2010/main" val="0"/>
+                </a:ext>
+              </a:extLst>
+            </a:blip>
+            <a:srcRect/>
+            <a:stretch>
+              <a:fillRect/>
+            </a:stretch>
+          </p:blipFill>
+          <p:spPr bwMode="auto">
+            <a:xfrm>
+              <a:off x="9991519" y="-1315"/>
+              <a:ext cx="2200481" cy="817124"/>
+            </a:xfrm>
+            <a:prstGeom prst="rect">
+              <a:avLst/>
+            </a:prstGeom>
+            <a:noFill/>
+            <a:extLst>
+              <a:ext uri="{909E8E84-426E-40DD-AFC4-6F175D3DCCD1}">
+                <a14:hiddenFill xmlns:a14="http://schemas.microsoft.com/office/drawing/2010/main">
+                  <a:solidFill>
+                    <a:srgbClr val="FFFFFF"/>
+                  </a:solidFill>
+                </a14:hiddenFill>
+              </a:ext>
+            </a:extLst>
+          </p:spPr>
+        </p:pic>
+        <p:sp>
+          <p:nvSpPr>
+            <p:cNvPr id="4" name="Rectangle 3">
+              <a:extLst>
+                <a:ext uri="{FF2B5EF4-FFF2-40B4-BE49-F238E27FC236}">
+                  <a16:creationId xmlns:a16="http://schemas.microsoft.com/office/drawing/2014/main" id="{BB010610-F78A-BD66-48CA-DDD6389EB7DE}"/>
+                </a:ext>
+              </a:extLst>
+            </p:cNvPr>
+            <p:cNvSpPr/>
+            <p:nvPr/>
+          </p:nvSpPr>
+          <p:spPr>
+            <a:xfrm>
+              <a:off x="2361184" y="0"/>
+              <a:ext cx="7630335" cy="813816"/>
+            </a:xfrm>
+            <a:prstGeom prst="rect">
+              <a:avLst/>
+            </a:prstGeom>
+            <a:solidFill>
+              <a:schemeClr val="bg1"/>
+            </a:solidFill>
+            <a:ln>
+              <a:noFill/>
+            </a:ln>
+          </p:spPr>
+          <p:style>
+            <a:lnRef idx="2">
+              <a:schemeClr val="accent1">
+                <a:shade val="15000"/>
+              </a:schemeClr>
+            </a:lnRef>
+            <a:fillRef idx="1">
+              <a:schemeClr val="accent1"/>
+            </a:fillRef>
+            <a:effectRef idx="0">
+              <a:schemeClr val="accent1"/>
+            </a:effectRef>
+            <a:fontRef idx="minor">
+              <a:schemeClr val="lt1"/>
+            </a:fontRef>
+          </p:style>
+          <p:txBody>
+            <a:bodyPr rtlCol="0" anchor="ctr"/>
+            <a:lstStyle/>
+            <a:p>
+              <a:pPr algn="ctr"/>
+              <a:endParaRPr lang="en-GB"/>
+            </a:p>
+          </p:txBody>
+        </p:sp>
+      </p:grpSp>
+      <p:pic>
+        <p:nvPicPr>
+          <p:cNvPr id="1030" name="Picture 6" descr="Няма налично описание на снимката.">
+            <a:extLst>
+              <a:ext uri="{FF2B5EF4-FFF2-40B4-BE49-F238E27FC236}">
+                <a16:creationId xmlns:a16="http://schemas.microsoft.com/office/drawing/2014/main" id="{AC461B90-D724-7240-C5F5-E89BFBCAD049}"/>
+              </a:ext>
+            </a:extLst>
+          </p:cNvPr>
+          <p:cNvPicPr>
+            <a:picLocks noChangeAspect="1" noChangeArrowheads="1"/>
+          </p:cNvPicPr>
+          <p:nvPr/>
+        </p:nvPicPr>
+        <p:blipFill>
+          <a:blip r:embed="rId4">
+            <a:extLst>
+              <a:ext uri="{28A0092B-C50C-407E-A947-70E740481C1C}">
+                <a14:useLocalDpi xmlns:a14="http://schemas.microsoft.com/office/drawing/2010/main" val="0"/>
+              </a:ext>
+            </a:extLst>
+          </a:blip>
+          <a:srcRect/>
+          <a:stretch>
+            <a:fillRect/>
+          </a:stretch>
+        </p:blipFill>
+        <p:spPr bwMode="auto">
+          <a:xfrm>
+            <a:off x="5689466" y="-4056"/>
+            <a:ext cx="813068" cy="813068"/>
+          </a:xfrm>
+          <a:prstGeom prst="rect">
+            <a:avLst/>
+          </a:prstGeom>
+          <a:noFill/>
+          <a:extLst>
+            <a:ext uri="{909E8E84-426E-40DD-AFC4-6F175D3DCCD1}">
+              <a14:hiddenFill xmlns:a14="http://schemas.microsoft.com/office/drawing/2010/main">
+                <a:solidFill>
+                  <a:srgbClr val="FFFFFF"/>
+                </a:solidFill>
+              </a14:hiddenFill>
+            </a:ext>
+          </a:extLst>
+        </p:spPr>
+      </p:pic>
       <p:sp>
         <p:nvSpPr>
-          <p:cNvPr id="7" name="TextBox 6">
-            <a:extLst>
-              <a:ext uri="{FF2B5EF4-FFF2-40B4-BE49-F238E27FC236}">
-                <a16:creationId xmlns:a16="http://schemas.microsoft.com/office/drawing/2014/main" id="{B3B13E19-7FB6-E207-2742-C20E5D92E9B6}"/>
+          <p:cNvPr id="9" name="TextBox 8">
+            <a:extLst>
+              <a:ext uri="{FF2B5EF4-FFF2-40B4-BE49-F238E27FC236}">
+                <a16:creationId xmlns:a16="http://schemas.microsoft.com/office/drawing/2014/main" id="{A9367271-B786-E859-4571-C6151ABF0669}"/>
               </a:ext>
             </a:extLst>
           </p:cNvPr>
@@ -6184,8 +7214,8 @@
         </p:nvSpPr>
         <p:spPr>
           <a:xfrm>
-            <a:off x="1405997" y="1178445"/>
-            <a:ext cx="1077248" cy="369332"/>
+            <a:off x="198120" y="829657"/>
+            <a:ext cx="11795760" cy="769441"/>
           </a:xfrm>
           <a:prstGeom prst="rect">
             <a:avLst/>
@@ -6198,28 +7228,24 @@
           </a:bodyPr>
           <a:lstStyle/>
           <a:p>
-            <a:r>
-              <a:rPr lang="en-US" dirty="0">
+            <a:pPr algn="ctr"/>
+            <a:r>
+              <a:rPr lang="en-GB" sz="4400" dirty="0">
                 <a:solidFill>
                   <a:schemeClr val="bg1"/>
                 </a:solidFill>
               </a:rPr>
-              <a:t>Main.f90</a:t>
-            </a:r>
-            <a:endParaRPr lang="en-GB" dirty="0">
-              <a:solidFill>
-                <a:schemeClr val="bg1"/>
-              </a:solidFill>
-            </a:endParaRPr>
+              <a:t>Plot_02.png</a:t>
+            </a:r>
           </a:p>
         </p:txBody>
       </p:sp>
       <p:pic>
         <p:nvPicPr>
-          <p:cNvPr id="18" name="Picture 17">
-            <a:extLst>
-              <a:ext uri="{FF2B5EF4-FFF2-40B4-BE49-F238E27FC236}">
-                <a16:creationId xmlns:a16="http://schemas.microsoft.com/office/drawing/2014/main" id="{849EC8B2-490C-798B-9543-DE7F79BFF003}"/>
+          <p:cNvPr id="6" name="Picture 5" descr="A graph with a line&#10;&#10;Description automatically generated">
+            <a:extLst>
+              <a:ext uri="{FF2B5EF4-FFF2-40B4-BE49-F238E27FC236}">
+                <a16:creationId xmlns:a16="http://schemas.microsoft.com/office/drawing/2014/main" id="{68C07799-5ADF-1F45-FFC9-0E103CD5A8B5}"/>
               </a:ext>
             </a:extLst>
           </p:cNvPr>
@@ -6229,15 +7255,21 @@
           <p:nvPr/>
         </p:nvPicPr>
         <p:blipFill>
-          <a:blip r:embed="rId8"/>
+          <a:blip r:embed="rId5">
+            <a:extLst>
+              <a:ext uri="{28A0092B-C50C-407E-A947-70E740481C1C}">
+                <a14:useLocalDpi xmlns:a14="http://schemas.microsoft.com/office/drawing/2010/main" val="0"/>
+              </a:ext>
+            </a:extLst>
+          </a:blip>
           <a:stretch>
             <a:fillRect/>
           </a:stretch>
         </p:blipFill>
         <p:spPr>
           <a:xfrm>
-            <a:off x="393982" y="4690227"/>
-            <a:ext cx="3155163" cy="1996679"/>
+            <a:off x="1513840" y="1583858"/>
+            <a:ext cx="9164320" cy="5154930"/>
           </a:xfrm>
           <a:prstGeom prst="rect">
             <a:avLst/>
@@ -6247,7 +7279,352 @@
     </p:spTree>
     <p:extLst>
       <p:ext uri="{BB962C8B-B14F-4D97-AF65-F5344CB8AC3E}">
-        <p14:creationId xmlns:p14="http://schemas.microsoft.com/office/powerpoint/2010/main" val="1103882889"/>
+        <p14:creationId xmlns:p14="http://schemas.microsoft.com/office/powerpoint/2010/main" val="1993693455"/>
+      </p:ext>
+    </p:extLst>
+  </p:cSld>
+  <p:clrMapOvr>
+    <a:masterClrMapping/>
+  </p:clrMapOvr>
+</p:sld>
+</file>
+
+<file path=ppt/slides/slide15.xml><?xml version="1.0" encoding="utf-8"?>
+<p:sld xmlns:a="http://schemas.openxmlformats.org/drawingml/2006/main" xmlns:r="http://schemas.openxmlformats.org/officeDocument/2006/relationships" xmlns:p="http://schemas.openxmlformats.org/presentationml/2006/main">
+  <p:cSld>
+    <p:bg>
+      <p:bgPr>
+        <a:solidFill>
+          <a:schemeClr val="accent1">
+            <a:lumMod val="75000"/>
+          </a:schemeClr>
+        </a:solidFill>
+        <a:effectLst/>
+      </p:bgPr>
+    </p:bg>
+    <p:spTree>
+      <p:nvGrpSpPr>
+        <p:cNvPr id="1" name="">
+          <a:extLst>
+            <a:ext uri="{FF2B5EF4-FFF2-40B4-BE49-F238E27FC236}">
+              <a16:creationId xmlns:a16="http://schemas.microsoft.com/office/drawing/2014/main" id="{EA730071-53CD-3E53-BAAB-E59BAB7B0884}"/>
+            </a:ext>
+          </a:extLst>
+        </p:cNvPr>
+        <p:cNvGrpSpPr/>
+        <p:nvPr/>
+      </p:nvGrpSpPr>
+      <p:grpSpPr>
+        <a:xfrm>
+          <a:off x="0" y="0"/>
+          <a:ext cx="0" cy="0"/>
+          <a:chOff x="0" y="0"/>
+          <a:chExt cx="0" cy="0"/>
+        </a:xfrm>
+      </p:grpSpPr>
+      <p:grpSp>
+        <p:nvGrpSpPr>
+          <p:cNvPr id="5" name="Group 4">
+            <a:extLst>
+              <a:ext uri="{FF2B5EF4-FFF2-40B4-BE49-F238E27FC236}">
+                <a16:creationId xmlns:a16="http://schemas.microsoft.com/office/drawing/2014/main" id="{F85B6B5E-4800-E38E-99AA-1CF660021CED}"/>
+              </a:ext>
+            </a:extLst>
+          </p:cNvPr>
+          <p:cNvGrpSpPr/>
+          <p:nvPr/>
+        </p:nvGrpSpPr>
+        <p:grpSpPr>
+          <a:xfrm>
+            <a:off x="-6096" y="-4056"/>
+            <a:ext cx="12198096" cy="819865"/>
+            <a:chOff x="-6096" y="-4056"/>
+            <a:chExt cx="12198096" cy="819865"/>
+          </a:xfrm>
+        </p:grpSpPr>
+        <p:pic>
+          <p:nvPicPr>
+            <p:cNvPr id="1026" name="Picture 2" descr="TU Dresden - Quantum Internet Alliance">
+              <a:extLst>
+                <a:ext uri="{FF2B5EF4-FFF2-40B4-BE49-F238E27FC236}">
+                  <a16:creationId xmlns:a16="http://schemas.microsoft.com/office/drawing/2014/main" id="{0927FA15-3156-F58E-317A-EA6096663AB9}"/>
+                </a:ext>
+              </a:extLst>
+            </p:cNvPr>
+            <p:cNvPicPr>
+              <a:picLocks noChangeAspect="1" noChangeArrowheads="1"/>
+            </p:cNvPicPr>
+            <p:nvPr/>
+          </p:nvPicPr>
+          <p:blipFill rotWithShape="1">
+            <a:blip r:embed="rId2">
+              <a:extLst>
+                <a:ext uri="{28A0092B-C50C-407E-A947-70E740481C1C}">
+                  <a14:useLocalDpi xmlns:a14="http://schemas.microsoft.com/office/drawing/2010/main" val="0"/>
+                </a:ext>
+              </a:extLst>
+            </a:blip>
+            <a:srcRect t="23012" b="21760"/>
+            <a:stretch/>
+          </p:blipFill>
+          <p:spPr bwMode="auto">
+            <a:xfrm>
+              <a:off x="-6096" y="-4056"/>
+              <a:ext cx="2367280" cy="817124"/>
+            </a:xfrm>
+            <a:prstGeom prst="rect">
+              <a:avLst/>
+            </a:prstGeom>
+            <a:noFill/>
+            <a:extLst>
+              <a:ext uri="{909E8E84-426E-40DD-AFC4-6F175D3DCCD1}">
+                <a14:hiddenFill xmlns:a14="http://schemas.microsoft.com/office/drawing/2010/main">
+                  <a:solidFill>
+                    <a:srgbClr val="FFFFFF"/>
+                  </a:solidFill>
+                </a14:hiddenFill>
+              </a:ext>
+            </a:extLst>
+          </p:spPr>
+        </p:pic>
+        <p:pic>
+          <p:nvPicPr>
+            <p:cNvPr id="1028" name="Picture 4" descr="logo DRESDEN-concept - Helmholtz-Zentrum Dresden-Rossendorf, HZDR">
+              <a:extLst>
+                <a:ext uri="{FF2B5EF4-FFF2-40B4-BE49-F238E27FC236}">
+                  <a16:creationId xmlns:a16="http://schemas.microsoft.com/office/drawing/2014/main" id="{589ED9BF-BB59-9833-394F-A9759A2A5C19}"/>
+                </a:ext>
+              </a:extLst>
+            </p:cNvPr>
+            <p:cNvPicPr>
+              <a:picLocks noChangeAspect="1" noChangeArrowheads="1"/>
+            </p:cNvPicPr>
+            <p:nvPr/>
+          </p:nvPicPr>
+          <p:blipFill>
+            <a:blip r:embed="rId3">
+              <a:extLst>
+                <a:ext uri="{28A0092B-C50C-407E-A947-70E740481C1C}">
+                  <a14:useLocalDpi xmlns:a14="http://schemas.microsoft.com/office/drawing/2010/main" val="0"/>
+                </a:ext>
+              </a:extLst>
+            </a:blip>
+            <a:srcRect/>
+            <a:stretch>
+              <a:fillRect/>
+            </a:stretch>
+          </p:blipFill>
+          <p:spPr bwMode="auto">
+            <a:xfrm>
+              <a:off x="9991519" y="-1315"/>
+              <a:ext cx="2200481" cy="817124"/>
+            </a:xfrm>
+            <a:prstGeom prst="rect">
+              <a:avLst/>
+            </a:prstGeom>
+            <a:noFill/>
+            <a:extLst>
+              <a:ext uri="{909E8E84-426E-40DD-AFC4-6F175D3DCCD1}">
+                <a14:hiddenFill xmlns:a14="http://schemas.microsoft.com/office/drawing/2010/main">
+                  <a:solidFill>
+                    <a:srgbClr val="FFFFFF"/>
+                  </a:solidFill>
+                </a14:hiddenFill>
+              </a:ext>
+            </a:extLst>
+          </p:spPr>
+        </p:pic>
+        <p:sp>
+          <p:nvSpPr>
+            <p:cNvPr id="4" name="Rectangle 3">
+              <a:extLst>
+                <a:ext uri="{FF2B5EF4-FFF2-40B4-BE49-F238E27FC236}">
+                  <a16:creationId xmlns:a16="http://schemas.microsoft.com/office/drawing/2014/main" id="{5442E4CC-FCFD-0663-C9E7-B751F9AA863C}"/>
+                </a:ext>
+              </a:extLst>
+            </p:cNvPr>
+            <p:cNvSpPr/>
+            <p:nvPr/>
+          </p:nvSpPr>
+          <p:spPr>
+            <a:xfrm>
+              <a:off x="2361184" y="0"/>
+              <a:ext cx="7630335" cy="813816"/>
+            </a:xfrm>
+            <a:prstGeom prst="rect">
+              <a:avLst/>
+            </a:prstGeom>
+            <a:solidFill>
+              <a:schemeClr val="bg1"/>
+            </a:solidFill>
+            <a:ln>
+              <a:noFill/>
+            </a:ln>
+          </p:spPr>
+          <p:style>
+            <a:lnRef idx="2">
+              <a:schemeClr val="accent1">
+                <a:shade val="15000"/>
+              </a:schemeClr>
+            </a:lnRef>
+            <a:fillRef idx="1">
+              <a:schemeClr val="accent1"/>
+            </a:fillRef>
+            <a:effectRef idx="0">
+              <a:schemeClr val="accent1"/>
+            </a:effectRef>
+            <a:fontRef idx="minor">
+              <a:schemeClr val="lt1"/>
+            </a:fontRef>
+          </p:style>
+          <p:txBody>
+            <a:bodyPr rtlCol="0" anchor="ctr"/>
+            <a:lstStyle/>
+            <a:p>
+              <a:pPr algn="ctr"/>
+              <a:endParaRPr lang="en-GB"/>
+            </a:p>
+          </p:txBody>
+        </p:sp>
+      </p:grpSp>
+      <p:pic>
+        <p:nvPicPr>
+          <p:cNvPr id="1030" name="Picture 6" descr="Няма налично описание на снимката.">
+            <a:extLst>
+              <a:ext uri="{FF2B5EF4-FFF2-40B4-BE49-F238E27FC236}">
+                <a16:creationId xmlns:a16="http://schemas.microsoft.com/office/drawing/2014/main" id="{D09BC0A9-05F2-1011-8A40-36234F27ED04}"/>
+              </a:ext>
+            </a:extLst>
+          </p:cNvPr>
+          <p:cNvPicPr>
+            <a:picLocks noChangeAspect="1" noChangeArrowheads="1"/>
+          </p:cNvPicPr>
+          <p:nvPr/>
+        </p:nvPicPr>
+        <p:blipFill>
+          <a:blip r:embed="rId4">
+            <a:extLst>
+              <a:ext uri="{28A0092B-C50C-407E-A947-70E740481C1C}">
+                <a14:useLocalDpi xmlns:a14="http://schemas.microsoft.com/office/drawing/2010/main" val="0"/>
+              </a:ext>
+            </a:extLst>
+          </a:blip>
+          <a:srcRect/>
+          <a:stretch>
+            <a:fillRect/>
+          </a:stretch>
+        </p:blipFill>
+        <p:spPr bwMode="auto">
+          <a:xfrm>
+            <a:off x="5689466" y="-4056"/>
+            <a:ext cx="813068" cy="813068"/>
+          </a:xfrm>
+          <a:prstGeom prst="rect">
+            <a:avLst/>
+          </a:prstGeom>
+          <a:noFill/>
+          <a:extLst>
+            <a:ext uri="{909E8E84-426E-40DD-AFC4-6F175D3DCCD1}">
+              <a14:hiddenFill xmlns:a14="http://schemas.microsoft.com/office/drawing/2010/main">
+                <a:solidFill>
+                  <a:srgbClr val="FFFFFF"/>
+                </a:solidFill>
+              </a14:hiddenFill>
+            </a:ext>
+          </a:extLst>
+        </p:spPr>
+      </p:pic>
+      <p:sp>
+        <p:nvSpPr>
+          <p:cNvPr id="9" name="TextBox 8">
+            <a:extLst>
+              <a:ext uri="{FF2B5EF4-FFF2-40B4-BE49-F238E27FC236}">
+                <a16:creationId xmlns:a16="http://schemas.microsoft.com/office/drawing/2014/main" id="{006BE2E5-E220-DEDC-8913-799E845A67E9}"/>
+              </a:ext>
+            </a:extLst>
+          </p:cNvPr>
+          <p:cNvSpPr txBox="1"/>
+          <p:nvPr/>
+        </p:nvSpPr>
+        <p:spPr>
+          <a:xfrm>
+            <a:off x="198120" y="829657"/>
+            <a:ext cx="11795760" cy="769441"/>
+          </a:xfrm>
+          <a:prstGeom prst="rect">
+            <a:avLst/>
+          </a:prstGeom>
+          <a:noFill/>
+        </p:spPr>
+        <p:txBody>
+          <a:bodyPr wrap="square" rtlCol="0">
+            <a:spAutoFit/>
+          </a:bodyPr>
+          <a:lstStyle/>
+          <a:p>
+            <a:pPr algn="ctr"/>
+            <a:r>
+              <a:rPr lang="en-GB" sz="4400" dirty="0">
+                <a:solidFill>
+                  <a:schemeClr val="bg1"/>
+                </a:solidFill>
+              </a:rPr>
+              <a:t>Sub_cubic_spline.f90</a:t>
+            </a:r>
+          </a:p>
+        </p:txBody>
+      </p:sp>
+      <p:sp>
+        <p:nvSpPr>
+          <p:cNvPr id="6" name="TextBox 5">
+            <a:extLst>
+              <a:ext uri="{FF2B5EF4-FFF2-40B4-BE49-F238E27FC236}">
+                <a16:creationId xmlns:a16="http://schemas.microsoft.com/office/drawing/2014/main" id="{0837897A-6BCF-6935-B25A-27A90101D5D9}"/>
+              </a:ext>
+            </a:extLst>
+          </p:cNvPr>
+          <p:cNvSpPr txBox="1"/>
+          <p:nvPr/>
+        </p:nvSpPr>
+        <p:spPr>
+          <a:xfrm>
+            <a:off x="198120" y="1451803"/>
+            <a:ext cx="11795760" cy="584775"/>
+          </a:xfrm>
+          <a:prstGeom prst="rect">
+            <a:avLst/>
+          </a:prstGeom>
+          <a:noFill/>
+        </p:spPr>
+        <p:txBody>
+          <a:bodyPr wrap="square" rtlCol="0">
+            <a:spAutoFit/>
+          </a:bodyPr>
+          <a:lstStyle/>
+          <a:p>
+            <a:pPr algn="ctr"/>
+            <a:r>
+              <a:rPr lang="en-US" sz="3200" i="1" dirty="0">
+                <a:solidFill>
+                  <a:schemeClr val="bg1"/>
+                </a:solidFill>
+                <a:latin typeface="+mj-lt"/>
+              </a:rPr>
+              <a:t>…</a:t>
+            </a:r>
+            <a:endParaRPr lang="en-GB" sz="3200" i="1" dirty="0">
+              <a:solidFill>
+                <a:schemeClr val="bg1"/>
+              </a:solidFill>
+              <a:latin typeface="+mj-lt"/>
+            </a:endParaRPr>
+          </a:p>
+        </p:txBody>
+      </p:sp>
+    </p:spTree>
+    <p:extLst>
+      <p:ext uri="{BB962C8B-B14F-4D97-AF65-F5344CB8AC3E}">
+        <p14:creationId xmlns:p14="http://schemas.microsoft.com/office/powerpoint/2010/main" val="1911750875"/>
       </p:ext>
     </p:extLst>
   </p:cSld>
@@ -6671,7 +8048,7 @@
         <p:spPr>
           <a:xfrm>
             <a:off x="4505960" y="2306320"/>
-            <a:ext cx="3180080" cy="2677656"/>
+            <a:ext cx="3180080" cy="3508653"/>
           </a:xfrm>
           <a:prstGeom prst="rect">
             <a:avLst/>
@@ -6771,6 +8148,48 @@
                 </a:solidFill>
               </a:rPr>
               <a:t>00_subroutine_inv.f90</a:t>
+            </a:r>
+          </a:p>
+          <a:p>
+            <a:pPr marL="285750" indent="-285750" algn="ctr">
+              <a:buFontTx/>
+              <a:buChar char="-"/>
+            </a:pPr>
+            <a:r>
+              <a:rPr lang="en-GB" dirty="0">
+                <a:solidFill>
+                  <a:schemeClr val="bg1"/>
+                </a:solidFill>
+              </a:rPr>
+              <a:t>bisection.f90</a:t>
+            </a:r>
+          </a:p>
+          <a:p>
+            <a:pPr marL="285750" indent="-285750" algn="ctr">
+              <a:buFontTx/>
+              <a:buChar char="-"/>
+            </a:pPr>
+            <a:r>
+              <a:rPr lang="en-GB" dirty="0">
+                <a:solidFill>
+                  <a:schemeClr val="bg1"/>
+                </a:solidFill>
+              </a:rPr>
+              <a:t>secant.90</a:t>
+            </a:r>
+          </a:p>
+          <a:p>
+            <a:pPr marL="285750" indent="-285750" algn="ctr">
+              <a:buFontTx/>
+              <a:buChar char="-"/>
+            </a:pPr>
+            <a:r>
+              <a:rPr lang="en-GB" dirty="0">
+                <a:solidFill>
+                  <a:schemeClr val="bg1"/>
+                </a:solidFill>
+              </a:rPr>
+              <a:t>regula_falsi.90</a:t>
             </a:r>
           </a:p>
           <a:p>
@@ -6812,7 +8231,7 @@
         <p:spPr>
           <a:xfrm>
             <a:off x="8707120" y="2306319"/>
-            <a:ext cx="3180080" cy="1846659"/>
+            <a:ext cx="3180080" cy="3508653"/>
           </a:xfrm>
           <a:prstGeom prst="rect">
             <a:avLst/>
@@ -6883,7 +8302,91 @@
                   <a:schemeClr val="bg1"/>
                 </a:solidFill>
               </a:rPr>
+              <a:t>plot_01.png</a:t>
+            </a:r>
+          </a:p>
+          <a:p>
+            <a:pPr marL="285750" indent="-285750" algn="ctr">
+              <a:buFontTx/>
+              <a:buChar char="-"/>
+            </a:pPr>
+            <a:r>
+              <a:rPr lang="en-GB" dirty="0">
+                <a:solidFill>
+                  <a:schemeClr val="bg1"/>
+                </a:solidFill>
+              </a:rPr>
               <a:t>convergence.txt</a:t>
+            </a:r>
+          </a:p>
+          <a:p>
+            <a:pPr marL="285750" indent="-285750" algn="ctr">
+              <a:buFontTx/>
+              <a:buChar char="-"/>
+            </a:pPr>
+            <a:r>
+              <a:rPr lang="en-GB" dirty="0">
+                <a:solidFill>
+                  <a:schemeClr val="bg1"/>
+                </a:solidFill>
+              </a:rPr>
+              <a:t>reference.txt</a:t>
+            </a:r>
+          </a:p>
+          <a:p>
+            <a:pPr marL="285750" indent="-285750" algn="ctr">
+              <a:buFontTx/>
+              <a:buChar char="-"/>
+            </a:pPr>
+            <a:r>
+              <a:rPr lang="en-GB" dirty="0">
+                <a:solidFill>
+                  <a:schemeClr val="bg1"/>
+                </a:solidFill>
+              </a:rPr>
+              <a:t>plot_02.png</a:t>
+            </a:r>
+          </a:p>
+          <a:p>
+            <a:pPr marL="285750" indent="-285750" algn="ctr">
+              <a:buFontTx/>
+              <a:buChar char="-"/>
+            </a:pPr>
+            <a:r>
+              <a:rPr lang="en-GB" dirty="0">
+                <a:solidFill>
+                  <a:schemeClr val="bg1"/>
+                </a:solidFill>
+              </a:rPr>
+              <a:t>01_bisection_roots.txt</a:t>
+            </a:r>
+          </a:p>
+          <a:p>
+            <a:pPr marL="285750" indent="-285750" algn="ctr">
+              <a:buFontTx/>
+              <a:buChar char="-"/>
+            </a:pPr>
+            <a:r>
+              <a:rPr lang="en-GB" dirty="0">
+                <a:solidFill>
+                  <a:schemeClr val="bg1"/>
+                </a:solidFill>
+              </a:rPr>
+              <a:t>02_secant_roots.txt</a:t>
+            </a:r>
+          </a:p>
+          <a:p>
+            <a:pPr marL="285750" indent="-285750" algn="ctr">
+              <a:buFontTx/>
+              <a:buChar char="-"/>
+            </a:pPr>
+            <a:r>
+              <a:rPr lang="en-GB" dirty="0">
+                <a:solidFill>
+                  <a:schemeClr val="bg1"/>
+                </a:solidFill>
+              </a:rPr>
+              <a:t>03_regula_falsi_roots.txt</a:t>
             </a:r>
           </a:p>
           <a:p>
@@ -7194,6 +8697,670 @@
                 <a:latin typeface="+mj-lt"/>
               </a:rPr>
               <a:t>Module.f90</a:t>
+            </a:r>
+          </a:p>
+        </p:txBody>
+      </p:sp>
+      <p:pic>
+        <p:nvPicPr>
+          <p:cNvPr id="3" name="Picture 2">
+            <a:extLst>
+              <a:ext uri="{FF2B5EF4-FFF2-40B4-BE49-F238E27FC236}">
+                <a16:creationId xmlns:a16="http://schemas.microsoft.com/office/drawing/2014/main" id="{15CB9CE0-4DD3-CFC4-5C9B-3E41BFEF4678}"/>
+              </a:ext>
+            </a:extLst>
+          </p:cNvPr>
+          <p:cNvPicPr>
+            <a:picLocks noChangeAspect="1"/>
+          </p:cNvPicPr>
+          <p:nvPr/>
+        </p:nvPicPr>
+        <p:blipFill>
+          <a:blip r:embed="rId5"/>
+          <a:stretch>
+            <a:fillRect/>
+          </a:stretch>
+        </p:blipFill>
+        <p:spPr>
+          <a:xfrm>
+            <a:off x="283977" y="1691852"/>
+            <a:ext cx="5562345" cy="4809111"/>
+          </a:xfrm>
+          <a:prstGeom prst="rect">
+            <a:avLst/>
+          </a:prstGeom>
+        </p:spPr>
+      </p:pic>
+      <p:cxnSp>
+        <p:nvCxnSpPr>
+          <p:cNvPr id="6" name="Straight Arrow Connector 5">
+            <a:extLst>
+              <a:ext uri="{FF2B5EF4-FFF2-40B4-BE49-F238E27FC236}">
+                <a16:creationId xmlns:a16="http://schemas.microsoft.com/office/drawing/2014/main" id="{222F6865-4644-3D7E-3B39-92827229966A}"/>
+              </a:ext>
+            </a:extLst>
+          </p:cNvPr>
+          <p:cNvCxnSpPr>
+            <a:cxnSpLocks/>
+          </p:cNvCxnSpPr>
+          <p:nvPr/>
+        </p:nvCxnSpPr>
+        <p:spPr>
+          <a:xfrm flipV="1">
+            <a:off x="2492025" y="2456233"/>
+            <a:ext cx="2512695" cy="2820"/>
+          </a:xfrm>
+          <a:prstGeom prst="straightConnector1">
+            <a:avLst/>
+          </a:prstGeom>
+          <a:ln w="38100">
+            <a:solidFill>
+              <a:srgbClr val="FF0000"/>
+            </a:solidFill>
+            <a:tailEnd type="triangle"/>
+          </a:ln>
+        </p:spPr>
+        <p:style>
+          <a:lnRef idx="2">
+            <a:schemeClr val="accent1"/>
+          </a:lnRef>
+          <a:fillRef idx="0">
+            <a:schemeClr val="accent1"/>
+          </a:fillRef>
+          <a:effectRef idx="1">
+            <a:schemeClr val="accent1"/>
+          </a:effectRef>
+          <a:fontRef idx="minor">
+            <a:schemeClr val="tx1"/>
+          </a:fontRef>
+        </p:style>
+      </p:cxnSp>
+      <p:sp>
+        <p:nvSpPr>
+          <p:cNvPr id="7" name="TextBox 6">
+            <a:extLst>
+              <a:ext uri="{FF2B5EF4-FFF2-40B4-BE49-F238E27FC236}">
+                <a16:creationId xmlns:a16="http://schemas.microsoft.com/office/drawing/2014/main" id="{469FF0AB-FBC9-4B14-3D60-78DF50E78162}"/>
+              </a:ext>
+            </a:extLst>
+          </p:cNvPr>
+          <p:cNvSpPr txBox="1"/>
+          <p:nvPr/>
+        </p:nvSpPr>
+        <p:spPr>
+          <a:xfrm>
+            <a:off x="5031363" y="2225400"/>
+            <a:ext cx="2682672" cy="461665"/>
+          </a:xfrm>
+          <a:prstGeom prst="rect">
+            <a:avLst/>
+          </a:prstGeom>
+          <a:solidFill>
+            <a:schemeClr val="accent1">
+              <a:lumMod val="20000"/>
+              <a:lumOff val="80000"/>
+            </a:schemeClr>
+          </a:solidFill>
+          <a:ln w="28575">
+            <a:solidFill>
+              <a:srgbClr val="FF0000"/>
+            </a:solidFill>
+          </a:ln>
+        </p:spPr>
+        <p:txBody>
+          <a:bodyPr wrap="square" rtlCol="0">
+            <a:spAutoFit/>
+          </a:bodyPr>
+          <a:lstStyle/>
+          <a:p>
+            <a:r>
+              <a:rPr lang="en-GB" sz="2400" dirty="0"/>
+              <a:t># of Plotting Points</a:t>
+            </a:r>
+          </a:p>
+        </p:txBody>
+      </p:sp>
+      <p:cxnSp>
+        <p:nvCxnSpPr>
+          <p:cNvPr id="8" name="Straight Arrow Connector 7">
+            <a:extLst>
+              <a:ext uri="{FF2B5EF4-FFF2-40B4-BE49-F238E27FC236}">
+                <a16:creationId xmlns:a16="http://schemas.microsoft.com/office/drawing/2014/main" id="{DC9194BF-D822-3E5D-CDA3-4E3C3B8C8FF8}"/>
+              </a:ext>
+            </a:extLst>
+          </p:cNvPr>
+          <p:cNvCxnSpPr>
+            <a:cxnSpLocks/>
+          </p:cNvCxnSpPr>
+          <p:nvPr/>
+        </p:nvCxnSpPr>
+        <p:spPr>
+          <a:xfrm flipV="1">
+            <a:off x="3806343" y="3313368"/>
+            <a:ext cx="2512695" cy="2820"/>
+          </a:xfrm>
+          <a:prstGeom prst="straightConnector1">
+            <a:avLst/>
+          </a:prstGeom>
+          <a:ln w="38100">
+            <a:solidFill>
+              <a:srgbClr val="FF0000"/>
+            </a:solidFill>
+            <a:tailEnd type="triangle"/>
+          </a:ln>
+        </p:spPr>
+        <p:style>
+          <a:lnRef idx="2">
+            <a:schemeClr val="accent1"/>
+          </a:lnRef>
+          <a:fillRef idx="0">
+            <a:schemeClr val="accent1"/>
+          </a:fillRef>
+          <a:effectRef idx="1">
+            <a:schemeClr val="accent1"/>
+          </a:effectRef>
+          <a:fontRef idx="minor">
+            <a:schemeClr val="tx1"/>
+          </a:fontRef>
+        </p:style>
+      </p:cxnSp>
+      <p:sp>
+        <p:nvSpPr>
+          <p:cNvPr id="10" name="TextBox 9">
+            <a:extLst>
+              <a:ext uri="{FF2B5EF4-FFF2-40B4-BE49-F238E27FC236}">
+                <a16:creationId xmlns:a16="http://schemas.microsoft.com/office/drawing/2014/main" id="{921B26FA-B2B6-22D6-A955-A9CA412E972F}"/>
+              </a:ext>
+            </a:extLst>
+          </p:cNvPr>
+          <p:cNvSpPr txBox="1"/>
+          <p:nvPr/>
+        </p:nvSpPr>
+        <p:spPr>
+          <a:xfrm>
+            <a:off x="6345681" y="3082535"/>
+            <a:ext cx="3023008" cy="461665"/>
+          </a:xfrm>
+          <a:prstGeom prst="rect">
+            <a:avLst/>
+          </a:prstGeom>
+          <a:solidFill>
+            <a:schemeClr val="accent1">
+              <a:lumMod val="20000"/>
+              <a:lumOff val="80000"/>
+            </a:schemeClr>
+          </a:solidFill>
+          <a:ln w="28575">
+            <a:solidFill>
+              <a:srgbClr val="FF0000"/>
+            </a:solidFill>
+          </a:ln>
+        </p:spPr>
+        <p:txBody>
+          <a:bodyPr wrap="square" rtlCol="0">
+            <a:spAutoFit/>
+          </a:bodyPr>
+          <a:lstStyle/>
+          <a:p>
+            <a:r>
+              <a:rPr lang="en-GB" sz="2400" dirty="0"/>
+              <a:t>Glob Variables for </a:t>
+            </a:r>
+            <a:r>
+              <a:rPr lang="en-GB" sz="2400" dirty="0" err="1"/>
+              <a:t>f_r</a:t>
+            </a:r>
+            <a:endParaRPr lang="en-GB" sz="2400" dirty="0"/>
+          </a:p>
+        </p:txBody>
+      </p:sp>
+      <p:cxnSp>
+        <p:nvCxnSpPr>
+          <p:cNvPr id="12" name="Straight Arrow Connector 11">
+            <a:extLst>
+              <a:ext uri="{FF2B5EF4-FFF2-40B4-BE49-F238E27FC236}">
+                <a16:creationId xmlns:a16="http://schemas.microsoft.com/office/drawing/2014/main" id="{5800882D-8C8F-CE65-A527-7B89466F026C}"/>
+              </a:ext>
+            </a:extLst>
+          </p:cNvPr>
+          <p:cNvCxnSpPr>
+            <a:cxnSpLocks/>
+          </p:cNvCxnSpPr>
+          <p:nvPr/>
+        </p:nvCxnSpPr>
+        <p:spPr>
+          <a:xfrm flipV="1">
+            <a:off x="5940677" y="4398515"/>
+            <a:ext cx="2512695" cy="2820"/>
+          </a:xfrm>
+          <a:prstGeom prst="straightConnector1">
+            <a:avLst/>
+          </a:prstGeom>
+          <a:ln w="38100">
+            <a:solidFill>
+              <a:srgbClr val="FF0000"/>
+            </a:solidFill>
+            <a:tailEnd type="triangle"/>
+          </a:ln>
+        </p:spPr>
+        <p:style>
+          <a:lnRef idx="2">
+            <a:schemeClr val="accent1"/>
+          </a:lnRef>
+          <a:fillRef idx="0">
+            <a:schemeClr val="accent1"/>
+          </a:fillRef>
+          <a:effectRef idx="1">
+            <a:schemeClr val="accent1"/>
+          </a:effectRef>
+          <a:fontRef idx="minor">
+            <a:schemeClr val="tx1"/>
+          </a:fontRef>
+        </p:style>
+      </p:cxnSp>
+      <p:sp>
+        <p:nvSpPr>
+          <p:cNvPr id="13" name="TextBox 12">
+            <a:extLst>
+              <a:ext uri="{FF2B5EF4-FFF2-40B4-BE49-F238E27FC236}">
+                <a16:creationId xmlns:a16="http://schemas.microsoft.com/office/drawing/2014/main" id="{979032F5-F461-CF59-AE8A-B8BC6D0BBC15}"/>
+              </a:ext>
+            </a:extLst>
+          </p:cNvPr>
+          <p:cNvSpPr txBox="1"/>
+          <p:nvPr/>
+        </p:nvSpPr>
+        <p:spPr>
+          <a:xfrm>
+            <a:off x="8480015" y="4167682"/>
+            <a:ext cx="3023008" cy="461665"/>
+          </a:xfrm>
+          <a:prstGeom prst="rect">
+            <a:avLst/>
+          </a:prstGeom>
+          <a:solidFill>
+            <a:schemeClr val="accent1">
+              <a:lumMod val="20000"/>
+              <a:lumOff val="80000"/>
+            </a:schemeClr>
+          </a:solidFill>
+          <a:ln w="28575">
+            <a:solidFill>
+              <a:srgbClr val="FF0000"/>
+            </a:solidFill>
+          </a:ln>
+        </p:spPr>
+        <p:txBody>
+          <a:bodyPr wrap="square" rtlCol="0">
+            <a:spAutoFit/>
+          </a:bodyPr>
+          <a:lstStyle/>
+          <a:p>
+            <a:r>
+              <a:rPr lang="en-GB" sz="2400" dirty="0"/>
+              <a:t>Glob Variables for </a:t>
+            </a:r>
+            <a:r>
+              <a:rPr lang="en-GB" sz="2400" dirty="0" err="1"/>
+              <a:t>f_s</a:t>
+            </a:r>
+            <a:endParaRPr lang="en-GB" sz="2400" dirty="0"/>
+          </a:p>
+        </p:txBody>
+      </p:sp>
+      <p:cxnSp>
+        <p:nvCxnSpPr>
+          <p:cNvPr id="14" name="Straight Arrow Connector 13">
+            <a:extLst>
+              <a:ext uri="{FF2B5EF4-FFF2-40B4-BE49-F238E27FC236}">
+                <a16:creationId xmlns:a16="http://schemas.microsoft.com/office/drawing/2014/main" id="{B705B31C-1433-FD41-00AB-DD4CC51D6861}"/>
+              </a:ext>
+            </a:extLst>
+          </p:cNvPr>
+          <p:cNvCxnSpPr>
+            <a:cxnSpLocks/>
+          </p:cNvCxnSpPr>
+          <p:nvPr/>
+        </p:nvCxnSpPr>
+        <p:spPr>
+          <a:xfrm flipV="1">
+            <a:off x="1414073" y="4816262"/>
+            <a:ext cx="2512695" cy="2820"/>
+          </a:xfrm>
+          <a:prstGeom prst="straightConnector1">
+            <a:avLst/>
+          </a:prstGeom>
+          <a:ln w="38100">
+            <a:solidFill>
+              <a:srgbClr val="FF0000"/>
+            </a:solidFill>
+            <a:tailEnd type="triangle"/>
+          </a:ln>
+        </p:spPr>
+        <p:style>
+          <a:lnRef idx="2">
+            <a:schemeClr val="accent1"/>
+          </a:lnRef>
+          <a:fillRef idx="0">
+            <a:schemeClr val="accent1"/>
+          </a:fillRef>
+          <a:effectRef idx="1">
+            <a:schemeClr val="accent1"/>
+          </a:effectRef>
+          <a:fontRef idx="minor">
+            <a:schemeClr val="tx1"/>
+          </a:fontRef>
+        </p:style>
+      </p:cxnSp>
+      <p:sp>
+        <p:nvSpPr>
+          <p:cNvPr id="15" name="TextBox 14">
+            <a:extLst>
+              <a:ext uri="{FF2B5EF4-FFF2-40B4-BE49-F238E27FC236}">
+                <a16:creationId xmlns:a16="http://schemas.microsoft.com/office/drawing/2014/main" id="{859C7F28-BA1D-FB6A-DA74-136E1974C55F}"/>
+              </a:ext>
+            </a:extLst>
+          </p:cNvPr>
+          <p:cNvSpPr txBox="1"/>
+          <p:nvPr/>
+        </p:nvSpPr>
+        <p:spPr>
+          <a:xfrm>
+            <a:off x="3953411" y="4585429"/>
+            <a:ext cx="2365627" cy="461665"/>
+          </a:xfrm>
+          <a:prstGeom prst="rect">
+            <a:avLst/>
+          </a:prstGeom>
+          <a:solidFill>
+            <a:schemeClr val="accent1">
+              <a:lumMod val="20000"/>
+              <a:lumOff val="80000"/>
+            </a:schemeClr>
+          </a:solidFill>
+          <a:ln w="28575">
+            <a:solidFill>
+              <a:srgbClr val="FF0000"/>
+            </a:solidFill>
+          </a:ln>
+        </p:spPr>
+        <p:txBody>
+          <a:bodyPr wrap="square" rtlCol="0">
+            <a:spAutoFit/>
+          </a:bodyPr>
+          <a:lstStyle/>
+          <a:p>
+            <a:r>
+              <a:rPr lang="en-GB" sz="2400" dirty="0"/>
+              <a:t># of Input Points</a:t>
+            </a:r>
+          </a:p>
+        </p:txBody>
+      </p:sp>
+      <p:cxnSp>
+        <p:nvCxnSpPr>
+          <p:cNvPr id="16" name="Straight Arrow Connector 15">
+            <a:extLst>
+              <a:ext uri="{FF2B5EF4-FFF2-40B4-BE49-F238E27FC236}">
+                <a16:creationId xmlns:a16="http://schemas.microsoft.com/office/drawing/2014/main" id="{FE17983D-0BEA-A074-8EA2-8F5DCF4664F0}"/>
+              </a:ext>
+            </a:extLst>
+          </p:cNvPr>
+          <p:cNvCxnSpPr>
+            <a:cxnSpLocks/>
+          </p:cNvCxnSpPr>
+          <p:nvPr/>
+        </p:nvCxnSpPr>
+        <p:spPr>
+          <a:xfrm flipV="1">
+            <a:off x="4453503" y="5440073"/>
+            <a:ext cx="2512695" cy="2820"/>
+          </a:xfrm>
+          <a:prstGeom prst="straightConnector1">
+            <a:avLst/>
+          </a:prstGeom>
+          <a:ln w="38100">
+            <a:solidFill>
+              <a:srgbClr val="FF0000"/>
+            </a:solidFill>
+            <a:tailEnd type="triangle"/>
+          </a:ln>
+        </p:spPr>
+        <p:style>
+          <a:lnRef idx="2">
+            <a:schemeClr val="accent1"/>
+          </a:lnRef>
+          <a:fillRef idx="0">
+            <a:schemeClr val="accent1"/>
+          </a:fillRef>
+          <a:effectRef idx="1">
+            <a:schemeClr val="accent1"/>
+          </a:effectRef>
+          <a:fontRef idx="minor">
+            <a:schemeClr val="tx1"/>
+          </a:fontRef>
+        </p:style>
+      </p:cxnSp>
+      <p:sp>
+        <p:nvSpPr>
+          <p:cNvPr id="17" name="TextBox 16">
+            <a:extLst>
+              <a:ext uri="{FF2B5EF4-FFF2-40B4-BE49-F238E27FC236}">
+                <a16:creationId xmlns:a16="http://schemas.microsoft.com/office/drawing/2014/main" id="{644C9173-CC7E-29D4-982F-E7A7790D5B19}"/>
+              </a:ext>
+            </a:extLst>
+          </p:cNvPr>
+          <p:cNvSpPr txBox="1"/>
+          <p:nvPr/>
+        </p:nvSpPr>
+        <p:spPr>
+          <a:xfrm>
+            <a:off x="6992841" y="5209240"/>
+            <a:ext cx="2598631" cy="461665"/>
+          </a:xfrm>
+          <a:prstGeom prst="rect">
+            <a:avLst/>
+          </a:prstGeom>
+          <a:solidFill>
+            <a:schemeClr val="accent1">
+              <a:lumMod val="20000"/>
+              <a:lumOff val="80000"/>
+            </a:schemeClr>
+          </a:solidFill>
+          <a:ln w="28575">
+            <a:solidFill>
+              <a:srgbClr val="FF0000"/>
+            </a:solidFill>
+          </a:ln>
+        </p:spPr>
+        <p:txBody>
+          <a:bodyPr wrap="square" rtlCol="0">
+            <a:spAutoFit/>
+          </a:bodyPr>
+          <a:lstStyle/>
+          <a:p>
+            <a:r>
+              <a:rPr lang="en-GB" sz="2400" dirty="0"/>
+              <a:t>Domain for Task 3</a:t>
+            </a:r>
+          </a:p>
+        </p:txBody>
+      </p:sp>
+      <p:cxnSp>
+        <p:nvCxnSpPr>
+          <p:cNvPr id="18" name="Straight Arrow Connector 17">
+            <a:extLst>
+              <a:ext uri="{FF2B5EF4-FFF2-40B4-BE49-F238E27FC236}">
+                <a16:creationId xmlns:a16="http://schemas.microsoft.com/office/drawing/2014/main" id="{5175C4AF-F75A-DDCB-8D3B-6B0591F548FB}"/>
+              </a:ext>
+            </a:extLst>
+          </p:cNvPr>
+          <p:cNvCxnSpPr>
+            <a:cxnSpLocks/>
+          </p:cNvCxnSpPr>
+          <p:nvPr/>
+        </p:nvCxnSpPr>
+        <p:spPr>
+          <a:xfrm>
+            <a:off x="3504270" y="5670576"/>
+            <a:ext cx="3461928" cy="392979"/>
+          </a:xfrm>
+          <a:prstGeom prst="straightConnector1">
+            <a:avLst/>
+          </a:prstGeom>
+          <a:ln w="38100">
+            <a:solidFill>
+              <a:srgbClr val="FF0000"/>
+            </a:solidFill>
+            <a:tailEnd type="triangle"/>
+          </a:ln>
+        </p:spPr>
+        <p:style>
+          <a:lnRef idx="2">
+            <a:schemeClr val="accent1"/>
+          </a:lnRef>
+          <a:fillRef idx="0">
+            <a:schemeClr val="accent1"/>
+          </a:fillRef>
+          <a:effectRef idx="1">
+            <a:schemeClr val="accent1"/>
+          </a:effectRef>
+          <a:fontRef idx="minor">
+            <a:schemeClr val="tx1"/>
+          </a:fontRef>
+        </p:style>
+      </p:cxnSp>
+      <p:sp>
+        <p:nvSpPr>
+          <p:cNvPr id="19" name="TextBox 18">
+            <a:extLst>
+              <a:ext uri="{FF2B5EF4-FFF2-40B4-BE49-F238E27FC236}">
+                <a16:creationId xmlns:a16="http://schemas.microsoft.com/office/drawing/2014/main" id="{DC821E6F-9E95-7626-0DF6-7C64D6267614}"/>
+              </a:ext>
+            </a:extLst>
+          </p:cNvPr>
+          <p:cNvSpPr txBox="1"/>
+          <p:nvPr/>
+        </p:nvSpPr>
+        <p:spPr>
+          <a:xfrm>
+            <a:off x="6992841" y="5832722"/>
+            <a:ext cx="2596756" cy="461665"/>
+          </a:xfrm>
+          <a:prstGeom prst="rect">
+            <a:avLst/>
+          </a:prstGeom>
+          <a:solidFill>
+            <a:schemeClr val="accent1">
+              <a:lumMod val="20000"/>
+              <a:lumOff val="80000"/>
+            </a:schemeClr>
+          </a:solidFill>
+          <a:ln w="28575">
+            <a:solidFill>
+              <a:srgbClr val="FF0000"/>
+            </a:solidFill>
+          </a:ln>
+        </p:spPr>
+        <p:txBody>
+          <a:bodyPr wrap="square" rtlCol="0">
+            <a:spAutoFit/>
+          </a:bodyPr>
+          <a:lstStyle/>
+          <a:p>
+            <a:r>
+              <a:rPr lang="en-GB" sz="2400" dirty="0"/>
+              <a:t>Level of Accuracy</a:t>
+            </a:r>
+          </a:p>
+        </p:txBody>
+      </p:sp>
+      <p:cxnSp>
+        <p:nvCxnSpPr>
+          <p:cNvPr id="22" name="Straight Arrow Connector 21">
+            <a:extLst>
+              <a:ext uri="{FF2B5EF4-FFF2-40B4-BE49-F238E27FC236}">
+                <a16:creationId xmlns:a16="http://schemas.microsoft.com/office/drawing/2014/main" id="{02AC834F-9B30-AA40-6B4B-DFB53FE5AA5E}"/>
+              </a:ext>
+            </a:extLst>
+          </p:cNvPr>
+          <p:cNvCxnSpPr>
+            <a:cxnSpLocks/>
+            <a:endCxn id="23" idx="1"/>
+          </p:cNvCxnSpPr>
+          <p:nvPr/>
+        </p:nvCxnSpPr>
+        <p:spPr>
+          <a:xfrm>
+            <a:off x="2947481" y="5898588"/>
+            <a:ext cx="1079771" cy="475845"/>
+          </a:xfrm>
+          <a:prstGeom prst="straightConnector1">
+            <a:avLst/>
+          </a:prstGeom>
+          <a:ln w="38100">
+            <a:solidFill>
+              <a:srgbClr val="FF0000"/>
+            </a:solidFill>
+            <a:tailEnd type="triangle"/>
+          </a:ln>
+        </p:spPr>
+        <p:style>
+          <a:lnRef idx="2">
+            <a:schemeClr val="accent1"/>
+          </a:lnRef>
+          <a:fillRef idx="0">
+            <a:schemeClr val="accent1"/>
+          </a:fillRef>
+          <a:effectRef idx="1">
+            <a:schemeClr val="accent1"/>
+          </a:effectRef>
+          <a:fontRef idx="minor">
+            <a:schemeClr val="tx1"/>
+          </a:fontRef>
+        </p:style>
+      </p:cxnSp>
+      <p:sp>
+        <p:nvSpPr>
+          <p:cNvPr id="23" name="TextBox 22">
+            <a:extLst>
+              <a:ext uri="{FF2B5EF4-FFF2-40B4-BE49-F238E27FC236}">
+                <a16:creationId xmlns:a16="http://schemas.microsoft.com/office/drawing/2014/main" id="{FBE6DD3E-07E1-0DC0-D6DA-BDD737D6287E}"/>
+              </a:ext>
+            </a:extLst>
+          </p:cNvPr>
+          <p:cNvSpPr txBox="1"/>
+          <p:nvPr/>
+        </p:nvSpPr>
+        <p:spPr>
+          <a:xfrm>
+            <a:off x="4027252" y="6143600"/>
+            <a:ext cx="1566152" cy="461665"/>
+          </a:xfrm>
+          <a:prstGeom prst="rect">
+            <a:avLst/>
+          </a:prstGeom>
+          <a:solidFill>
+            <a:schemeClr val="accent1">
+              <a:lumMod val="20000"/>
+              <a:lumOff val="80000"/>
+            </a:schemeClr>
+          </a:solidFill>
+          <a:ln w="28575">
+            <a:solidFill>
+              <a:srgbClr val="FF0000"/>
+            </a:solidFill>
+          </a:ln>
+        </p:spPr>
+        <p:txBody>
+          <a:bodyPr wrap="square" rtlCol="0">
+            <a:spAutoFit/>
+          </a:bodyPr>
+          <a:lstStyle/>
+          <a:p>
+            <a:r>
+              <a:rPr lang="en-GB" sz="2400" dirty="0"/>
+              <a:t># of Roots</a:t>
             </a:r>
           </a:p>
         </p:txBody>
@@ -8637,352 +10804,6 @@
         <p:cNvPr id="1" name="">
           <a:extLst>
             <a:ext uri="{FF2B5EF4-FFF2-40B4-BE49-F238E27FC236}">
-              <a16:creationId xmlns:a16="http://schemas.microsoft.com/office/drawing/2014/main" id="{44DC73E9-F791-6EBD-232D-9AA8B6915E8E}"/>
-            </a:ext>
-          </a:extLst>
-        </p:cNvPr>
-        <p:cNvGrpSpPr/>
-        <p:nvPr/>
-      </p:nvGrpSpPr>
-      <p:grpSpPr>
-        <a:xfrm>
-          <a:off x="0" y="0"/>
-          <a:ext cx="0" cy="0"/>
-          <a:chOff x="0" y="0"/>
-          <a:chExt cx="0" cy="0"/>
-        </a:xfrm>
-      </p:grpSpPr>
-      <p:grpSp>
-        <p:nvGrpSpPr>
-          <p:cNvPr id="5" name="Group 4">
-            <a:extLst>
-              <a:ext uri="{FF2B5EF4-FFF2-40B4-BE49-F238E27FC236}">
-                <a16:creationId xmlns:a16="http://schemas.microsoft.com/office/drawing/2014/main" id="{3237CF52-C76A-E311-6677-5064FD3EE4E8}"/>
-              </a:ext>
-            </a:extLst>
-          </p:cNvPr>
-          <p:cNvGrpSpPr/>
-          <p:nvPr/>
-        </p:nvGrpSpPr>
-        <p:grpSpPr>
-          <a:xfrm>
-            <a:off x="-6096" y="-4056"/>
-            <a:ext cx="12198096" cy="819865"/>
-            <a:chOff x="-6096" y="-4056"/>
-            <a:chExt cx="12198096" cy="819865"/>
-          </a:xfrm>
-        </p:grpSpPr>
-        <p:pic>
-          <p:nvPicPr>
-            <p:cNvPr id="1026" name="Picture 2" descr="TU Dresden - Quantum Internet Alliance">
-              <a:extLst>
-                <a:ext uri="{FF2B5EF4-FFF2-40B4-BE49-F238E27FC236}">
-                  <a16:creationId xmlns:a16="http://schemas.microsoft.com/office/drawing/2014/main" id="{A0E73214-B5B5-D5A9-DC60-D8A2BABBBEBF}"/>
-                </a:ext>
-              </a:extLst>
-            </p:cNvPr>
-            <p:cNvPicPr>
-              <a:picLocks noChangeAspect="1" noChangeArrowheads="1"/>
-            </p:cNvPicPr>
-            <p:nvPr/>
-          </p:nvPicPr>
-          <p:blipFill rotWithShape="1">
-            <a:blip r:embed="rId2">
-              <a:extLst>
-                <a:ext uri="{28A0092B-C50C-407E-A947-70E740481C1C}">
-                  <a14:useLocalDpi xmlns:a14="http://schemas.microsoft.com/office/drawing/2010/main" val="0"/>
-                </a:ext>
-              </a:extLst>
-            </a:blip>
-            <a:srcRect t="23012" b="21760"/>
-            <a:stretch/>
-          </p:blipFill>
-          <p:spPr bwMode="auto">
-            <a:xfrm>
-              <a:off x="-6096" y="-4056"/>
-              <a:ext cx="2367280" cy="817124"/>
-            </a:xfrm>
-            <a:prstGeom prst="rect">
-              <a:avLst/>
-            </a:prstGeom>
-            <a:noFill/>
-            <a:extLst>
-              <a:ext uri="{909E8E84-426E-40DD-AFC4-6F175D3DCCD1}">
-                <a14:hiddenFill xmlns:a14="http://schemas.microsoft.com/office/drawing/2010/main">
-                  <a:solidFill>
-                    <a:srgbClr val="FFFFFF"/>
-                  </a:solidFill>
-                </a14:hiddenFill>
-              </a:ext>
-            </a:extLst>
-          </p:spPr>
-        </p:pic>
-        <p:pic>
-          <p:nvPicPr>
-            <p:cNvPr id="1028" name="Picture 4" descr="logo DRESDEN-concept - Helmholtz-Zentrum Dresden-Rossendorf, HZDR">
-              <a:extLst>
-                <a:ext uri="{FF2B5EF4-FFF2-40B4-BE49-F238E27FC236}">
-                  <a16:creationId xmlns:a16="http://schemas.microsoft.com/office/drawing/2014/main" id="{1312B594-9C55-04EF-8801-B481AE8D71D0}"/>
-                </a:ext>
-              </a:extLst>
-            </p:cNvPr>
-            <p:cNvPicPr>
-              <a:picLocks noChangeAspect="1" noChangeArrowheads="1"/>
-            </p:cNvPicPr>
-            <p:nvPr/>
-          </p:nvPicPr>
-          <p:blipFill>
-            <a:blip r:embed="rId3">
-              <a:extLst>
-                <a:ext uri="{28A0092B-C50C-407E-A947-70E740481C1C}">
-                  <a14:useLocalDpi xmlns:a14="http://schemas.microsoft.com/office/drawing/2010/main" val="0"/>
-                </a:ext>
-              </a:extLst>
-            </a:blip>
-            <a:srcRect/>
-            <a:stretch>
-              <a:fillRect/>
-            </a:stretch>
-          </p:blipFill>
-          <p:spPr bwMode="auto">
-            <a:xfrm>
-              <a:off x="9991519" y="-1315"/>
-              <a:ext cx="2200481" cy="817124"/>
-            </a:xfrm>
-            <a:prstGeom prst="rect">
-              <a:avLst/>
-            </a:prstGeom>
-            <a:noFill/>
-            <a:extLst>
-              <a:ext uri="{909E8E84-426E-40DD-AFC4-6F175D3DCCD1}">
-                <a14:hiddenFill xmlns:a14="http://schemas.microsoft.com/office/drawing/2010/main">
-                  <a:solidFill>
-                    <a:srgbClr val="FFFFFF"/>
-                  </a:solidFill>
-                </a14:hiddenFill>
-              </a:ext>
-            </a:extLst>
-          </p:spPr>
-        </p:pic>
-        <p:sp>
-          <p:nvSpPr>
-            <p:cNvPr id="4" name="Rectangle 3">
-              <a:extLst>
-                <a:ext uri="{FF2B5EF4-FFF2-40B4-BE49-F238E27FC236}">
-                  <a16:creationId xmlns:a16="http://schemas.microsoft.com/office/drawing/2014/main" id="{2F2AE060-DA06-008F-B702-54DAF2BCC081}"/>
-                </a:ext>
-              </a:extLst>
-            </p:cNvPr>
-            <p:cNvSpPr/>
-            <p:nvPr/>
-          </p:nvSpPr>
-          <p:spPr>
-            <a:xfrm>
-              <a:off x="2361184" y="0"/>
-              <a:ext cx="7630335" cy="813816"/>
-            </a:xfrm>
-            <a:prstGeom prst="rect">
-              <a:avLst/>
-            </a:prstGeom>
-            <a:solidFill>
-              <a:schemeClr val="bg1"/>
-            </a:solidFill>
-            <a:ln>
-              <a:noFill/>
-            </a:ln>
-          </p:spPr>
-          <p:style>
-            <a:lnRef idx="2">
-              <a:schemeClr val="accent1">
-                <a:shade val="15000"/>
-              </a:schemeClr>
-            </a:lnRef>
-            <a:fillRef idx="1">
-              <a:schemeClr val="accent1"/>
-            </a:fillRef>
-            <a:effectRef idx="0">
-              <a:schemeClr val="accent1"/>
-            </a:effectRef>
-            <a:fontRef idx="minor">
-              <a:schemeClr val="lt1"/>
-            </a:fontRef>
-          </p:style>
-          <p:txBody>
-            <a:bodyPr rtlCol="0" anchor="ctr"/>
-            <a:lstStyle/>
-            <a:p>
-              <a:pPr algn="ctr"/>
-              <a:endParaRPr lang="en-GB"/>
-            </a:p>
-          </p:txBody>
-        </p:sp>
-      </p:grpSp>
-      <p:pic>
-        <p:nvPicPr>
-          <p:cNvPr id="1030" name="Picture 6" descr="Няма налично описание на снимката.">
-            <a:extLst>
-              <a:ext uri="{FF2B5EF4-FFF2-40B4-BE49-F238E27FC236}">
-                <a16:creationId xmlns:a16="http://schemas.microsoft.com/office/drawing/2014/main" id="{FA456FD7-048F-7894-D224-90D2DD7F42D2}"/>
-              </a:ext>
-            </a:extLst>
-          </p:cNvPr>
-          <p:cNvPicPr>
-            <a:picLocks noChangeAspect="1" noChangeArrowheads="1"/>
-          </p:cNvPicPr>
-          <p:nvPr/>
-        </p:nvPicPr>
-        <p:blipFill>
-          <a:blip r:embed="rId4">
-            <a:extLst>
-              <a:ext uri="{28A0092B-C50C-407E-A947-70E740481C1C}">
-                <a14:useLocalDpi xmlns:a14="http://schemas.microsoft.com/office/drawing/2010/main" val="0"/>
-              </a:ext>
-            </a:extLst>
-          </a:blip>
-          <a:srcRect/>
-          <a:stretch>
-            <a:fillRect/>
-          </a:stretch>
-        </p:blipFill>
-        <p:spPr bwMode="auto">
-          <a:xfrm>
-            <a:off x="5689466" y="-4056"/>
-            <a:ext cx="813068" cy="813068"/>
-          </a:xfrm>
-          <a:prstGeom prst="rect">
-            <a:avLst/>
-          </a:prstGeom>
-          <a:noFill/>
-          <a:extLst>
-            <a:ext uri="{909E8E84-426E-40DD-AFC4-6F175D3DCCD1}">
-              <a14:hiddenFill xmlns:a14="http://schemas.microsoft.com/office/drawing/2010/main">
-                <a:solidFill>
-                  <a:srgbClr val="FFFFFF"/>
-                </a:solidFill>
-              </a14:hiddenFill>
-            </a:ext>
-          </a:extLst>
-        </p:spPr>
-      </p:pic>
-      <p:sp>
-        <p:nvSpPr>
-          <p:cNvPr id="9" name="TextBox 8">
-            <a:extLst>
-              <a:ext uri="{FF2B5EF4-FFF2-40B4-BE49-F238E27FC236}">
-                <a16:creationId xmlns:a16="http://schemas.microsoft.com/office/drawing/2014/main" id="{DB9436E7-1A5E-0B72-83AB-15B4785DF810}"/>
-              </a:ext>
-            </a:extLst>
-          </p:cNvPr>
-          <p:cNvSpPr txBox="1"/>
-          <p:nvPr/>
-        </p:nvSpPr>
-        <p:spPr>
-          <a:xfrm>
-            <a:off x="198120" y="829657"/>
-            <a:ext cx="11795760" cy="769441"/>
-          </a:xfrm>
-          <a:prstGeom prst="rect">
-            <a:avLst/>
-          </a:prstGeom>
-          <a:noFill/>
-        </p:spPr>
-        <p:txBody>
-          <a:bodyPr wrap="square" rtlCol="0">
-            <a:spAutoFit/>
-          </a:bodyPr>
-          <a:lstStyle/>
-          <a:p>
-            <a:pPr algn="ctr"/>
-            <a:r>
-              <a:rPr lang="en-GB" sz="4400" dirty="0">
-                <a:solidFill>
-                  <a:schemeClr val="bg1"/>
-                </a:solidFill>
-                <a:latin typeface="+mj-lt"/>
-              </a:rPr>
-              <a:t>Main.f90</a:t>
-            </a:r>
-          </a:p>
-        </p:txBody>
-      </p:sp>
-      <p:sp>
-        <p:nvSpPr>
-          <p:cNvPr id="6" name="TextBox 5">
-            <a:extLst>
-              <a:ext uri="{FF2B5EF4-FFF2-40B4-BE49-F238E27FC236}">
-                <a16:creationId xmlns:a16="http://schemas.microsoft.com/office/drawing/2014/main" id="{240D295A-6372-B25C-8A0A-D1EAF1C16895}"/>
-              </a:ext>
-            </a:extLst>
-          </p:cNvPr>
-          <p:cNvSpPr txBox="1"/>
-          <p:nvPr/>
-        </p:nvSpPr>
-        <p:spPr>
-          <a:xfrm>
-            <a:off x="198120" y="1451803"/>
-            <a:ext cx="11795760" cy="584775"/>
-          </a:xfrm>
-          <a:prstGeom prst="rect">
-            <a:avLst/>
-          </a:prstGeom>
-          <a:noFill/>
-        </p:spPr>
-        <p:txBody>
-          <a:bodyPr wrap="square" rtlCol="0">
-            <a:spAutoFit/>
-          </a:bodyPr>
-          <a:lstStyle/>
-          <a:p>
-            <a:pPr algn="ctr"/>
-            <a:r>
-              <a:rPr lang="en-US" sz="3200" i="1" dirty="0">
-                <a:solidFill>
-                  <a:schemeClr val="bg1"/>
-                </a:solidFill>
-                <a:latin typeface="+mj-lt"/>
-              </a:rPr>
-              <a:t>Plot of Task 2</a:t>
-            </a:r>
-            <a:endParaRPr lang="en-GB" sz="3200" i="1" dirty="0">
-              <a:solidFill>
-                <a:schemeClr val="bg1"/>
-              </a:solidFill>
-              <a:latin typeface="+mj-lt"/>
-            </a:endParaRPr>
-          </a:p>
-        </p:txBody>
-      </p:sp>
-    </p:spTree>
-    <p:extLst>
-      <p:ext uri="{BB962C8B-B14F-4D97-AF65-F5344CB8AC3E}">
-        <p14:creationId xmlns:p14="http://schemas.microsoft.com/office/powerpoint/2010/main" val="1296008757"/>
-      </p:ext>
-    </p:extLst>
-  </p:cSld>
-  <p:clrMapOvr>
-    <a:masterClrMapping/>
-  </p:clrMapOvr>
-</p:sld>
-</file>
-
-<file path=ppt/slides/slide7.xml><?xml version="1.0" encoding="utf-8"?>
-<p:sld xmlns:a="http://schemas.openxmlformats.org/drawingml/2006/main" xmlns:r="http://schemas.openxmlformats.org/officeDocument/2006/relationships" xmlns:p="http://schemas.openxmlformats.org/presentationml/2006/main">
-  <p:cSld>
-    <p:bg>
-      <p:bgPr>
-        <a:solidFill>
-          <a:schemeClr val="accent1">
-            <a:lumMod val="75000"/>
-          </a:schemeClr>
-        </a:solidFill>
-        <a:effectLst/>
-      </p:bgPr>
-    </p:bg>
-    <p:spTree>
-      <p:nvGrpSpPr>
-        <p:cNvPr id="1" name="">
-          <a:extLst>
-            <a:ext uri="{FF2B5EF4-FFF2-40B4-BE49-F238E27FC236}">
               <a16:creationId xmlns:a16="http://schemas.microsoft.com/office/drawing/2014/main" id="{D9F11E85-75A1-C106-3D3F-268058FC6E03}"/>
             </a:ext>
           </a:extLst>
@@ -9735,7 +11556,7 @@
 </p:sld>
 </file>
 
-<file path=ppt/slides/slide8.xml><?xml version="1.0" encoding="utf-8"?>
+<file path=ppt/slides/slide7.xml><?xml version="1.0" encoding="utf-8"?>
 <p:sld xmlns:a="http://schemas.openxmlformats.org/drawingml/2006/main" xmlns:r="http://schemas.openxmlformats.org/officeDocument/2006/relationships" xmlns:p="http://schemas.openxmlformats.org/presentationml/2006/main">
   <p:cSld>
     <p:bg>
@@ -10553,7 +12374,7 @@
 </p:sld>
 </file>
 
-<file path=ppt/slides/slide9.xml><?xml version="1.0" encoding="utf-8"?>
+<file path=ppt/slides/slide8.xml><?xml version="1.0" encoding="utf-8"?>
 <p:sld xmlns:a="http://schemas.openxmlformats.org/drawingml/2006/main" xmlns:r="http://schemas.openxmlformats.org/officeDocument/2006/relationships" xmlns:p="http://schemas.openxmlformats.org/presentationml/2006/main">
   <p:cSld>
     <p:bg>
@@ -11749,6 +13570,351 @@
 </p:sld>
 </file>
 
+<file path=ppt/slides/slide9.xml><?xml version="1.0" encoding="utf-8"?>
+<p:sld xmlns:a="http://schemas.openxmlformats.org/drawingml/2006/main" xmlns:r="http://schemas.openxmlformats.org/officeDocument/2006/relationships" xmlns:p="http://schemas.openxmlformats.org/presentationml/2006/main">
+  <p:cSld>
+    <p:bg>
+      <p:bgPr>
+        <a:solidFill>
+          <a:schemeClr val="accent1">
+            <a:lumMod val="75000"/>
+          </a:schemeClr>
+        </a:solidFill>
+        <a:effectLst/>
+      </p:bgPr>
+    </p:bg>
+    <p:spTree>
+      <p:nvGrpSpPr>
+        <p:cNvPr id="1" name="">
+          <a:extLst>
+            <a:ext uri="{FF2B5EF4-FFF2-40B4-BE49-F238E27FC236}">
+              <a16:creationId xmlns:a16="http://schemas.microsoft.com/office/drawing/2014/main" id="{A32A2BD3-0CC6-8CE4-703D-0F1E1A99C562}"/>
+            </a:ext>
+          </a:extLst>
+        </p:cNvPr>
+        <p:cNvGrpSpPr/>
+        <p:nvPr/>
+      </p:nvGrpSpPr>
+      <p:grpSpPr>
+        <a:xfrm>
+          <a:off x="0" y="0"/>
+          <a:ext cx="0" cy="0"/>
+          <a:chOff x="0" y="0"/>
+          <a:chExt cx="0" cy="0"/>
+        </a:xfrm>
+      </p:grpSpPr>
+      <p:grpSp>
+        <p:nvGrpSpPr>
+          <p:cNvPr id="5" name="Group 4">
+            <a:extLst>
+              <a:ext uri="{FF2B5EF4-FFF2-40B4-BE49-F238E27FC236}">
+                <a16:creationId xmlns:a16="http://schemas.microsoft.com/office/drawing/2014/main" id="{4C81E5DC-E0D1-29F8-EDAB-A9220340E0DC}"/>
+              </a:ext>
+            </a:extLst>
+          </p:cNvPr>
+          <p:cNvGrpSpPr/>
+          <p:nvPr/>
+        </p:nvGrpSpPr>
+        <p:grpSpPr>
+          <a:xfrm>
+            <a:off x="-6096" y="-4056"/>
+            <a:ext cx="12198096" cy="819865"/>
+            <a:chOff x="-6096" y="-4056"/>
+            <a:chExt cx="12198096" cy="819865"/>
+          </a:xfrm>
+        </p:grpSpPr>
+        <p:pic>
+          <p:nvPicPr>
+            <p:cNvPr id="1026" name="Picture 2" descr="TU Dresden - Quantum Internet Alliance">
+              <a:extLst>
+                <a:ext uri="{FF2B5EF4-FFF2-40B4-BE49-F238E27FC236}">
+                  <a16:creationId xmlns:a16="http://schemas.microsoft.com/office/drawing/2014/main" id="{B9942A83-3FFC-3895-6B0F-013F4E888394}"/>
+                </a:ext>
+              </a:extLst>
+            </p:cNvPr>
+            <p:cNvPicPr>
+              <a:picLocks noChangeAspect="1" noChangeArrowheads="1"/>
+            </p:cNvPicPr>
+            <p:nvPr/>
+          </p:nvPicPr>
+          <p:blipFill rotWithShape="1">
+            <a:blip r:embed="rId2">
+              <a:extLst>
+                <a:ext uri="{28A0092B-C50C-407E-A947-70E740481C1C}">
+                  <a14:useLocalDpi xmlns:a14="http://schemas.microsoft.com/office/drawing/2010/main" val="0"/>
+                </a:ext>
+              </a:extLst>
+            </a:blip>
+            <a:srcRect t="23012" b="21760"/>
+            <a:stretch/>
+          </p:blipFill>
+          <p:spPr bwMode="auto">
+            <a:xfrm>
+              <a:off x="-6096" y="-4056"/>
+              <a:ext cx="2367280" cy="817124"/>
+            </a:xfrm>
+            <a:prstGeom prst="rect">
+              <a:avLst/>
+            </a:prstGeom>
+            <a:noFill/>
+            <a:extLst>
+              <a:ext uri="{909E8E84-426E-40DD-AFC4-6F175D3DCCD1}">
+                <a14:hiddenFill xmlns:a14="http://schemas.microsoft.com/office/drawing/2010/main">
+                  <a:solidFill>
+                    <a:srgbClr val="FFFFFF"/>
+                  </a:solidFill>
+                </a14:hiddenFill>
+              </a:ext>
+            </a:extLst>
+          </p:spPr>
+        </p:pic>
+        <p:pic>
+          <p:nvPicPr>
+            <p:cNvPr id="1028" name="Picture 4" descr="logo DRESDEN-concept - Helmholtz-Zentrum Dresden-Rossendorf, HZDR">
+              <a:extLst>
+                <a:ext uri="{FF2B5EF4-FFF2-40B4-BE49-F238E27FC236}">
+                  <a16:creationId xmlns:a16="http://schemas.microsoft.com/office/drawing/2014/main" id="{058DE6F7-8A4D-F0B5-E629-0EE22BA8A5F3}"/>
+                </a:ext>
+              </a:extLst>
+            </p:cNvPr>
+            <p:cNvPicPr>
+              <a:picLocks noChangeAspect="1" noChangeArrowheads="1"/>
+            </p:cNvPicPr>
+            <p:nvPr/>
+          </p:nvPicPr>
+          <p:blipFill>
+            <a:blip r:embed="rId3">
+              <a:extLst>
+                <a:ext uri="{28A0092B-C50C-407E-A947-70E740481C1C}">
+                  <a14:useLocalDpi xmlns:a14="http://schemas.microsoft.com/office/drawing/2010/main" val="0"/>
+                </a:ext>
+              </a:extLst>
+            </a:blip>
+            <a:srcRect/>
+            <a:stretch>
+              <a:fillRect/>
+            </a:stretch>
+          </p:blipFill>
+          <p:spPr bwMode="auto">
+            <a:xfrm>
+              <a:off x="9991519" y="-1315"/>
+              <a:ext cx="2200481" cy="817124"/>
+            </a:xfrm>
+            <a:prstGeom prst="rect">
+              <a:avLst/>
+            </a:prstGeom>
+            <a:noFill/>
+            <a:extLst>
+              <a:ext uri="{909E8E84-426E-40DD-AFC4-6F175D3DCCD1}">
+                <a14:hiddenFill xmlns:a14="http://schemas.microsoft.com/office/drawing/2010/main">
+                  <a:solidFill>
+                    <a:srgbClr val="FFFFFF"/>
+                  </a:solidFill>
+                </a14:hiddenFill>
+              </a:ext>
+            </a:extLst>
+          </p:spPr>
+        </p:pic>
+        <p:sp>
+          <p:nvSpPr>
+            <p:cNvPr id="4" name="Rectangle 3">
+              <a:extLst>
+                <a:ext uri="{FF2B5EF4-FFF2-40B4-BE49-F238E27FC236}">
+                  <a16:creationId xmlns:a16="http://schemas.microsoft.com/office/drawing/2014/main" id="{21094741-9902-E5BD-7E55-9BB8F4B331E9}"/>
+                </a:ext>
+              </a:extLst>
+            </p:cNvPr>
+            <p:cNvSpPr/>
+            <p:nvPr/>
+          </p:nvSpPr>
+          <p:spPr>
+            <a:xfrm>
+              <a:off x="2361184" y="0"/>
+              <a:ext cx="7630335" cy="813816"/>
+            </a:xfrm>
+            <a:prstGeom prst="rect">
+              <a:avLst/>
+            </a:prstGeom>
+            <a:solidFill>
+              <a:schemeClr val="bg1"/>
+            </a:solidFill>
+            <a:ln>
+              <a:noFill/>
+            </a:ln>
+          </p:spPr>
+          <p:style>
+            <a:lnRef idx="2">
+              <a:schemeClr val="accent1">
+                <a:shade val="15000"/>
+              </a:schemeClr>
+            </a:lnRef>
+            <a:fillRef idx="1">
+              <a:schemeClr val="accent1"/>
+            </a:fillRef>
+            <a:effectRef idx="0">
+              <a:schemeClr val="accent1"/>
+            </a:effectRef>
+            <a:fontRef idx="minor">
+              <a:schemeClr val="lt1"/>
+            </a:fontRef>
+          </p:style>
+          <p:txBody>
+            <a:bodyPr rtlCol="0" anchor="ctr"/>
+            <a:lstStyle/>
+            <a:p>
+              <a:pPr algn="ctr"/>
+              <a:endParaRPr lang="en-GB"/>
+            </a:p>
+          </p:txBody>
+        </p:sp>
+      </p:grpSp>
+      <p:pic>
+        <p:nvPicPr>
+          <p:cNvPr id="1030" name="Picture 6" descr="Няма налично описание на снимката.">
+            <a:extLst>
+              <a:ext uri="{FF2B5EF4-FFF2-40B4-BE49-F238E27FC236}">
+                <a16:creationId xmlns:a16="http://schemas.microsoft.com/office/drawing/2014/main" id="{AAC80F52-EA78-12E0-E4CF-0AAB8B26BE80}"/>
+              </a:ext>
+            </a:extLst>
+          </p:cNvPr>
+          <p:cNvPicPr>
+            <a:picLocks noChangeAspect="1" noChangeArrowheads="1"/>
+          </p:cNvPicPr>
+          <p:nvPr/>
+        </p:nvPicPr>
+        <p:blipFill>
+          <a:blip r:embed="rId4">
+            <a:extLst>
+              <a:ext uri="{28A0092B-C50C-407E-A947-70E740481C1C}">
+                <a14:useLocalDpi xmlns:a14="http://schemas.microsoft.com/office/drawing/2010/main" val="0"/>
+              </a:ext>
+            </a:extLst>
+          </a:blip>
+          <a:srcRect/>
+          <a:stretch>
+            <a:fillRect/>
+          </a:stretch>
+        </p:blipFill>
+        <p:spPr bwMode="auto">
+          <a:xfrm>
+            <a:off x="5689466" y="-4056"/>
+            <a:ext cx="813068" cy="813068"/>
+          </a:xfrm>
+          <a:prstGeom prst="rect">
+            <a:avLst/>
+          </a:prstGeom>
+          <a:noFill/>
+          <a:extLst>
+            <a:ext uri="{909E8E84-426E-40DD-AFC4-6F175D3DCCD1}">
+              <a14:hiddenFill xmlns:a14="http://schemas.microsoft.com/office/drawing/2010/main">
+                <a:solidFill>
+                  <a:srgbClr val="FFFFFF"/>
+                </a:solidFill>
+              </a14:hiddenFill>
+            </a:ext>
+          </a:extLst>
+        </p:spPr>
+      </p:pic>
+      <p:sp>
+        <p:nvSpPr>
+          <p:cNvPr id="9" name="TextBox 8">
+            <a:extLst>
+              <a:ext uri="{FF2B5EF4-FFF2-40B4-BE49-F238E27FC236}">
+                <a16:creationId xmlns:a16="http://schemas.microsoft.com/office/drawing/2014/main" id="{2E03D3B4-329B-8B33-19A2-2196B4B767E6}"/>
+              </a:ext>
+            </a:extLst>
+          </p:cNvPr>
+          <p:cNvSpPr txBox="1"/>
+          <p:nvPr/>
+        </p:nvSpPr>
+        <p:spPr>
+          <a:xfrm>
+            <a:off x="198120" y="829657"/>
+            <a:ext cx="11795760" cy="769441"/>
+          </a:xfrm>
+          <a:prstGeom prst="rect">
+            <a:avLst/>
+          </a:prstGeom>
+          <a:noFill/>
+        </p:spPr>
+        <p:txBody>
+          <a:bodyPr wrap="square" rtlCol="0">
+            <a:spAutoFit/>
+          </a:bodyPr>
+          <a:lstStyle/>
+          <a:p>
+            <a:pPr algn="ctr"/>
+            <a:r>
+              <a:rPr lang="en-GB" sz="4400" dirty="0">
+                <a:solidFill>
+                  <a:schemeClr val="bg1"/>
+                </a:solidFill>
+              </a:rPr>
+              <a:t>Sub_cubic_spline.f90</a:t>
+            </a:r>
+          </a:p>
+        </p:txBody>
+      </p:sp>
+      <p:sp>
+        <p:nvSpPr>
+          <p:cNvPr id="6" name="TextBox 5">
+            <a:extLst>
+              <a:ext uri="{FF2B5EF4-FFF2-40B4-BE49-F238E27FC236}">
+                <a16:creationId xmlns:a16="http://schemas.microsoft.com/office/drawing/2014/main" id="{D0B9AE23-1398-37FF-0827-626E21343FD2}"/>
+              </a:ext>
+            </a:extLst>
+          </p:cNvPr>
+          <p:cNvSpPr txBox="1"/>
+          <p:nvPr/>
+        </p:nvSpPr>
+        <p:spPr>
+          <a:xfrm>
+            <a:off x="198120" y="1451803"/>
+            <a:ext cx="11795760" cy="584775"/>
+          </a:xfrm>
+          <a:prstGeom prst="rect">
+            <a:avLst/>
+          </a:prstGeom>
+          <a:noFill/>
+        </p:spPr>
+        <p:txBody>
+          <a:bodyPr wrap="square" rtlCol="0">
+            <a:spAutoFit/>
+          </a:bodyPr>
+          <a:lstStyle/>
+          <a:p>
+            <a:pPr algn="ctr"/>
+            <a:r>
+              <a:rPr lang="en-US" sz="3200" i="1" dirty="0">
+                <a:solidFill>
+                  <a:schemeClr val="bg1"/>
+                </a:solidFill>
+                <a:latin typeface="+mj-lt"/>
+              </a:rPr>
+              <a:t>…</a:t>
+            </a:r>
+            <a:endParaRPr lang="en-GB" sz="3200" i="1" dirty="0">
+              <a:solidFill>
+                <a:schemeClr val="bg1"/>
+              </a:solidFill>
+              <a:latin typeface="+mj-lt"/>
+            </a:endParaRPr>
+          </a:p>
+        </p:txBody>
+      </p:sp>
+    </p:spTree>
+    <p:extLst>
+      <p:ext uri="{BB962C8B-B14F-4D97-AF65-F5344CB8AC3E}">
+        <p14:creationId xmlns:p14="http://schemas.microsoft.com/office/powerpoint/2010/main" val="691974956"/>
+      </p:ext>
+    </p:extLst>
+  </p:cSld>
+  <p:clrMapOvr>
+    <a:masterClrMapping/>
+  </p:clrMapOvr>
+</p:sld>
+</file>
+
 <file path=ppt/theme/theme1.xml><?xml version="1.0" encoding="utf-8"?>
 <a:theme xmlns:a="http://schemas.openxmlformats.org/drawingml/2006/main" name="Office Theme">
   <a:themeElements>
